--- a/Day5/Spring_cloud.pptx
+++ b/Day5/Spring_cloud.pptx
@@ -13,7 +13,6 @@
     <p:sldId id="260" r:id="rId8"/>
     <p:sldId id="261" r:id="rId9"/>
     <p:sldId id="262" r:id="rId10"/>
-    <p:sldId id="263" r:id="rId11"/>
   </p:sldIdLst>
   <p:sldSz cx="12192000" cy="6858000"/>
   <p:notesSz cx="7772400" cy="10058400"/>
@@ -72,7 +71,7 @@
         <p:spPr>
           <a:xfrm>
             <a:off x="838080" y="365040"/>
-            <a:ext cx="10514880" cy="1324800"/>
+            <a:ext cx="10514520" cy="1324440"/>
           </a:xfrm>
           <a:prstGeom prst="rect">
             <a:avLst/>
@@ -103,7 +102,7 @@
         <p:spPr>
           <a:xfrm>
             <a:off x="609480" y="1604520"/>
-            <a:ext cx="10972440" cy="1896840"/>
+            <a:ext cx="10972080" cy="1896840"/>
           </a:xfrm>
           <a:prstGeom prst="rect">
             <a:avLst/>
@@ -133,7 +132,7 @@
         <p:spPr>
           <a:xfrm>
             <a:off x="609480" y="3682080"/>
-            <a:ext cx="10972440" cy="1896840"/>
+            <a:ext cx="10972080" cy="1896840"/>
           </a:xfrm>
           <a:prstGeom prst="rect">
             <a:avLst/>
@@ -185,7 +184,7 @@
         <p:spPr>
           <a:xfrm>
             <a:off x="838080" y="365040"/>
-            <a:ext cx="10514880" cy="1324800"/>
+            <a:ext cx="10514520" cy="1324440"/>
           </a:xfrm>
           <a:prstGeom prst="rect">
             <a:avLst/>
@@ -358,7 +357,7 @@
         <p:spPr>
           <a:xfrm>
             <a:off x="838080" y="365040"/>
-            <a:ext cx="10514880" cy="1324800"/>
+            <a:ext cx="10514520" cy="1324440"/>
           </a:xfrm>
           <a:prstGeom prst="rect">
             <a:avLst/>
@@ -389,7 +388,7 @@
         <p:spPr>
           <a:xfrm>
             <a:off x="609480" y="1604520"/>
-            <a:ext cx="3533040" cy="1896840"/>
+            <a:ext cx="3532680" cy="1896840"/>
           </a:xfrm>
           <a:prstGeom prst="rect">
             <a:avLst/>
@@ -418,8 +417,8 @@
         </p:nvSpPr>
         <p:spPr>
           <a:xfrm>
-            <a:off x="4319640" y="1604520"/>
-            <a:ext cx="3533040" cy="1896840"/>
+            <a:off x="4319280" y="1604520"/>
+            <a:ext cx="3532680" cy="1896840"/>
           </a:xfrm>
           <a:prstGeom prst="rect">
             <a:avLst/>
@@ -448,8 +447,8 @@
         </p:nvSpPr>
         <p:spPr>
           <a:xfrm>
-            <a:off x="8029800" y="1604520"/>
-            <a:ext cx="3533040" cy="1896840"/>
+            <a:off x="8028720" y="1604520"/>
+            <a:ext cx="3532680" cy="1896840"/>
           </a:xfrm>
           <a:prstGeom prst="rect">
             <a:avLst/>
@@ -479,7 +478,7 @@
         <p:spPr>
           <a:xfrm>
             <a:off x="609480" y="3682080"/>
-            <a:ext cx="3533040" cy="1896840"/>
+            <a:ext cx="3532680" cy="1896840"/>
           </a:xfrm>
           <a:prstGeom prst="rect">
             <a:avLst/>
@@ -508,8 +507,8 @@
         </p:nvSpPr>
         <p:spPr>
           <a:xfrm>
-            <a:off x="4319640" y="3682080"/>
-            <a:ext cx="3533040" cy="1896840"/>
+            <a:off x="4319280" y="3682080"/>
+            <a:ext cx="3532680" cy="1896840"/>
           </a:xfrm>
           <a:prstGeom prst="rect">
             <a:avLst/>
@@ -538,8 +537,8 @@
         </p:nvSpPr>
         <p:spPr>
           <a:xfrm>
-            <a:off x="8029800" y="3682080"/>
-            <a:ext cx="3533040" cy="1896840"/>
+            <a:off x="8028720" y="3682080"/>
+            <a:ext cx="3532680" cy="1896840"/>
           </a:xfrm>
           <a:prstGeom prst="rect">
             <a:avLst/>
@@ -613,7 +612,7 @@
         <p:spPr>
           <a:xfrm>
             <a:off x="838080" y="365040"/>
-            <a:ext cx="10514880" cy="1324800"/>
+            <a:ext cx="10514520" cy="1324440"/>
           </a:xfrm>
           <a:prstGeom prst="rect">
             <a:avLst/>
@@ -644,7 +643,7 @@
         <p:spPr>
           <a:xfrm>
             <a:off x="609480" y="1604520"/>
-            <a:ext cx="10972440" cy="3977280"/>
+            <a:ext cx="10972080" cy="3976920"/>
           </a:xfrm>
           <a:prstGeom prst="rect">
             <a:avLst/>
@@ -697,7 +696,7 @@
         <p:spPr>
           <a:xfrm>
             <a:off x="838080" y="365040"/>
-            <a:ext cx="10514880" cy="1324800"/>
+            <a:ext cx="10514520" cy="1324440"/>
           </a:xfrm>
           <a:prstGeom prst="rect">
             <a:avLst/>
@@ -728,7 +727,7 @@
         <p:spPr>
           <a:xfrm>
             <a:off x="609480" y="1604520"/>
-            <a:ext cx="10972440" cy="3977280"/>
+            <a:ext cx="10972080" cy="3976920"/>
           </a:xfrm>
           <a:prstGeom prst="rect">
             <a:avLst/>
@@ -780,7 +779,7 @@
         <p:spPr>
           <a:xfrm>
             <a:off x="838080" y="365040"/>
-            <a:ext cx="10514880" cy="1324800"/>
+            <a:ext cx="10514520" cy="1324440"/>
           </a:xfrm>
           <a:prstGeom prst="rect">
             <a:avLst/>
@@ -811,7 +810,7 @@
         <p:spPr>
           <a:xfrm>
             <a:off x="609480" y="1604520"/>
-            <a:ext cx="5354280" cy="3977280"/>
+            <a:ext cx="5354280" cy="3976920"/>
           </a:xfrm>
           <a:prstGeom prst="rect">
             <a:avLst/>
@@ -841,7 +840,7 @@
         <p:spPr>
           <a:xfrm>
             <a:off x="6231960" y="1604520"/>
-            <a:ext cx="5354280" cy="3977280"/>
+            <a:ext cx="5354280" cy="3976920"/>
           </a:xfrm>
           <a:prstGeom prst="rect">
             <a:avLst/>
@@ -893,7 +892,7 @@
         <p:spPr>
           <a:xfrm>
             <a:off x="838080" y="365040"/>
-            <a:ext cx="10514880" cy="1324800"/>
+            <a:ext cx="10514520" cy="1324440"/>
           </a:xfrm>
           <a:prstGeom prst="rect">
             <a:avLst/>
@@ -946,7 +945,7 @@
         <p:spPr>
           <a:xfrm>
             <a:off x="838080" y="365040"/>
-            <a:ext cx="10514880" cy="6142320"/>
+            <a:ext cx="10514520" cy="6140520"/>
           </a:xfrm>
           <a:prstGeom prst="rect">
             <a:avLst/>
@@ -999,7 +998,7 @@
         <p:spPr>
           <a:xfrm>
             <a:off x="838080" y="365040"/>
-            <a:ext cx="10514880" cy="1324800"/>
+            <a:ext cx="10514520" cy="1324440"/>
           </a:xfrm>
           <a:prstGeom prst="rect">
             <a:avLst/>
@@ -1060,7 +1059,7 @@
         <p:spPr>
           <a:xfrm>
             <a:off x="6231960" y="1604520"/>
-            <a:ext cx="5354280" cy="3977280"/>
+            <a:ext cx="5354280" cy="3976920"/>
           </a:xfrm>
           <a:prstGeom prst="rect">
             <a:avLst/>
@@ -1142,7 +1141,7 @@
         <p:spPr>
           <a:xfrm>
             <a:off x="838080" y="365040"/>
-            <a:ext cx="10514880" cy="1324800"/>
+            <a:ext cx="10514520" cy="1324440"/>
           </a:xfrm>
           <a:prstGeom prst="rect">
             <a:avLst/>
@@ -1173,7 +1172,7 @@
         <p:spPr>
           <a:xfrm>
             <a:off x="609480" y="1604520"/>
-            <a:ext cx="10972440" cy="3977280"/>
+            <a:ext cx="10972080" cy="3976920"/>
           </a:xfrm>
           <a:prstGeom prst="rect">
             <a:avLst/>
@@ -1226,7 +1225,7 @@
         <p:spPr>
           <a:xfrm>
             <a:off x="838080" y="365040"/>
-            <a:ext cx="10514880" cy="1324800"/>
+            <a:ext cx="10514520" cy="1324440"/>
           </a:xfrm>
           <a:prstGeom prst="rect">
             <a:avLst/>
@@ -1257,7 +1256,7 @@
         <p:spPr>
           <a:xfrm>
             <a:off x="609480" y="1604520"/>
-            <a:ext cx="5354280" cy="3977280"/>
+            <a:ext cx="5354280" cy="3976920"/>
           </a:xfrm>
           <a:prstGeom prst="rect">
             <a:avLst/>
@@ -1369,7 +1368,7 @@
         <p:spPr>
           <a:xfrm>
             <a:off x="838080" y="365040"/>
-            <a:ext cx="10514880" cy="1324800"/>
+            <a:ext cx="10514520" cy="1324440"/>
           </a:xfrm>
           <a:prstGeom prst="rect">
             <a:avLst/>
@@ -1460,7 +1459,7 @@
         <p:spPr>
           <a:xfrm>
             <a:off x="609480" y="3682080"/>
-            <a:ext cx="10972440" cy="1896840"/>
+            <a:ext cx="10972080" cy="1896840"/>
           </a:xfrm>
           <a:prstGeom prst="rect">
             <a:avLst/>
@@ -1512,7 +1511,7 @@
         <p:spPr>
           <a:xfrm>
             <a:off x="838080" y="365040"/>
-            <a:ext cx="10514880" cy="1324800"/>
+            <a:ext cx="10514520" cy="1324440"/>
           </a:xfrm>
           <a:prstGeom prst="rect">
             <a:avLst/>
@@ -1543,7 +1542,7 @@
         <p:spPr>
           <a:xfrm>
             <a:off x="609480" y="1604520"/>
-            <a:ext cx="10972440" cy="1896840"/>
+            <a:ext cx="10972080" cy="1896840"/>
           </a:xfrm>
           <a:prstGeom prst="rect">
             <a:avLst/>
@@ -1573,7 +1572,7 @@
         <p:spPr>
           <a:xfrm>
             <a:off x="609480" y="3682080"/>
-            <a:ext cx="10972440" cy="1896840"/>
+            <a:ext cx="10972080" cy="1896840"/>
           </a:xfrm>
           <a:prstGeom prst="rect">
             <a:avLst/>
@@ -1625,7 +1624,7 @@
         <p:spPr>
           <a:xfrm>
             <a:off x="838080" y="365040"/>
-            <a:ext cx="10514880" cy="1324800"/>
+            <a:ext cx="10514520" cy="1324440"/>
           </a:xfrm>
           <a:prstGeom prst="rect">
             <a:avLst/>
@@ -1798,7 +1797,7 @@
         <p:spPr>
           <a:xfrm>
             <a:off x="838080" y="365040"/>
-            <a:ext cx="10514880" cy="1324800"/>
+            <a:ext cx="10514520" cy="1324440"/>
           </a:xfrm>
           <a:prstGeom prst="rect">
             <a:avLst/>
@@ -1829,7 +1828,7 @@
         <p:spPr>
           <a:xfrm>
             <a:off x="609480" y="1604520"/>
-            <a:ext cx="3533040" cy="1896840"/>
+            <a:ext cx="3532680" cy="1896840"/>
           </a:xfrm>
           <a:prstGeom prst="rect">
             <a:avLst/>
@@ -1858,8 +1857,8 @@
         </p:nvSpPr>
         <p:spPr>
           <a:xfrm>
-            <a:off x="4319640" y="1604520"/>
-            <a:ext cx="3533040" cy="1896840"/>
+            <a:off x="4319280" y="1604520"/>
+            <a:ext cx="3532680" cy="1896840"/>
           </a:xfrm>
           <a:prstGeom prst="rect">
             <a:avLst/>
@@ -1888,8 +1887,8 @@
         </p:nvSpPr>
         <p:spPr>
           <a:xfrm>
-            <a:off x="8029800" y="1604520"/>
-            <a:ext cx="3533040" cy="1896840"/>
+            <a:off x="8028720" y="1604520"/>
+            <a:ext cx="3532680" cy="1896840"/>
           </a:xfrm>
           <a:prstGeom prst="rect">
             <a:avLst/>
@@ -1919,7 +1918,7 @@
         <p:spPr>
           <a:xfrm>
             <a:off x="609480" y="3682080"/>
-            <a:ext cx="3533040" cy="1896840"/>
+            <a:ext cx="3532680" cy="1896840"/>
           </a:xfrm>
           <a:prstGeom prst="rect">
             <a:avLst/>
@@ -1948,8 +1947,8 @@
         </p:nvSpPr>
         <p:spPr>
           <a:xfrm>
-            <a:off x="4319640" y="3682080"/>
-            <a:ext cx="3533040" cy="1896840"/>
+            <a:off x="4319280" y="3682080"/>
+            <a:ext cx="3532680" cy="1896840"/>
           </a:xfrm>
           <a:prstGeom prst="rect">
             <a:avLst/>
@@ -1978,8 +1977,8 @@
         </p:nvSpPr>
         <p:spPr>
           <a:xfrm>
-            <a:off x="8029800" y="3682080"/>
-            <a:ext cx="3533040" cy="1896840"/>
+            <a:off x="8028720" y="3682080"/>
+            <a:ext cx="3532680" cy="1896840"/>
           </a:xfrm>
           <a:prstGeom prst="rect">
             <a:avLst/>
@@ -2031,7 +2030,7 @@
         <p:spPr>
           <a:xfrm>
             <a:off x="838080" y="365040"/>
-            <a:ext cx="10514880" cy="1324800"/>
+            <a:ext cx="10514520" cy="1324440"/>
           </a:xfrm>
           <a:prstGeom prst="rect">
             <a:avLst/>
@@ -2062,7 +2061,7 @@
         <p:spPr>
           <a:xfrm>
             <a:off x="609480" y="1604520"/>
-            <a:ext cx="10972440" cy="3977280"/>
+            <a:ext cx="10972080" cy="3976920"/>
           </a:xfrm>
           <a:prstGeom prst="rect">
             <a:avLst/>
@@ -2114,7 +2113,7 @@
         <p:spPr>
           <a:xfrm>
             <a:off x="838080" y="365040"/>
-            <a:ext cx="10514880" cy="1324800"/>
+            <a:ext cx="10514520" cy="1324440"/>
           </a:xfrm>
           <a:prstGeom prst="rect">
             <a:avLst/>
@@ -2145,7 +2144,7 @@
         <p:spPr>
           <a:xfrm>
             <a:off x="609480" y="1604520"/>
-            <a:ext cx="5354280" cy="3977280"/>
+            <a:ext cx="5354280" cy="3976920"/>
           </a:xfrm>
           <a:prstGeom prst="rect">
             <a:avLst/>
@@ -2175,7 +2174,7 @@
         <p:spPr>
           <a:xfrm>
             <a:off x="6231960" y="1604520"/>
-            <a:ext cx="5354280" cy="3977280"/>
+            <a:ext cx="5354280" cy="3976920"/>
           </a:xfrm>
           <a:prstGeom prst="rect">
             <a:avLst/>
@@ -2227,7 +2226,7 @@
         <p:spPr>
           <a:xfrm>
             <a:off x="838080" y="365040"/>
-            <a:ext cx="10514880" cy="1324800"/>
+            <a:ext cx="10514520" cy="1324440"/>
           </a:xfrm>
           <a:prstGeom prst="rect">
             <a:avLst/>
@@ -2280,7 +2279,7 @@
         <p:spPr>
           <a:xfrm>
             <a:off x="838080" y="365040"/>
-            <a:ext cx="10514880" cy="6142320"/>
+            <a:ext cx="10514520" cy="6140520"/>
           </a:xfrm>
           <a:prstGeom prst="rect">
             <a:avLst/>
@@ -2333,7 +2332,7 @@
         <p:spPr>
           <a:xfrm>
             <a:off x="838080" y="365040"/>
-            <a:ext cx="10514880" cy="1324800"/>
+            <a:ext cx="10514520" cy="1324440"/>
           </a:xfrm>
           <a:prstGeom prst="rect">
             <a:avLst/>
@@ -2394,7 +2393,7 @@
         <p:spPr>
           <a:xfrm>
             <a:off x="6231960" y="1604520"/>
-            <a:ext cx="5354280" cy="3977280"/>
+            <a:ext cx="5354280" cy="3976920"/>
           </a:xfrm>
           <a:prstGeom prst="rect">
             <a:avLst/>
@@ -2476,7 +2475,7 @@
         <p:spPr>
           <a:xfrm>
             <a:off x="838080" y="365040"/>
-            <a:ext cx="10514880" cy="1324800"/>
+            <a:ext cx="10514520" cy="1324440"/>
           </a:xfrm>
           <a:prstGeom prst="rect">
             <a:avLst/>
@@ -2507,7 +2506,7 @@
         <p:spPr>
           <a:xfrm>
             <a:off x="609480" y="1604520"/>
-            <a:ext cx="5354280" cy="3977280"/>
+            <a:ext cx="5354280" cy="3976920"/>
           </a:xfrm>
           <a:prstGeom prst="rect">
             <a:avLst/>
@@ -2619,7 +2618,7 @@
         <p:spPr>
           <a:xfrm>
             <a:off x="838080" y="365040"/>
-            <a:ext cx="10514880" cy="1324800"/>
+            <a:ext cx="10514520" cy="1324440"/>
           </a:xfrm>
           <a:prstGeom prst="rect">
             <a:avLst/>
@@ -2710,7 +2709,7 @@
         <p:spPr>
           <a:xfrm>
             <a:off x="609480" y="3682080"/>
-            <a:ext cx="10972440" cy="1896840"/>
+            <a:ext cx="10972080" cy="1896840"/>
           </a:xfrm>
           <a:prstGeom prst="rect">
             <a:avLst/>
@@ -2769,7 +2768,7 @@
         <p:spPr>
           <a:xfrm>
             <a:off x="838080" y="365040"/>
-            <a:ext cx="10514880" cy="1324800"/>
+            <a:ext cx="10514520" cy="1324440"/>
           </a:xfrm>
           <a:prstGeom prst="rect">
             <a:avLst/>
@@ -2806,7 +2805,7 @@
         <p:spPr>
           <a:xfrm>
             <a:off x="609480" y="1604520"/>
-            <a:ext cx="10972440" cy="3977280"/>
+            <a:ext cx="10972080" cy="3976920"/>
           </a:xfrm>
           <a:prstGeom prst="rect">
             <a:avLst/>
@@ -2817,7 +2816,7 @@
             <a:normAutofit/>
           </a:bodyPr>
           <a:p>
-            <a:pPr marL="432000" indent="-324000">
+            <a:pPr marL="432000" indent="-324000" algn="ctr">
               <a:spcBef>
                 <a:spcPts val="1417"/>
               </a:spcBef>
@@ -2829,17 +2828,17 @@
               <a:buChar char=""/>
             </a:pPr>
             <a:r>
-              <a:rPr b="0" lang="en-US" sz="3200" spc="-1" strike="noStrike">
+              <a:rPr b="0" lang="en-US" sz="1800" spc="-1" strike="noStrike">
                 <a:latin typeface="Arial"/>
               </a:rPr>
               <a:t>Click to edit the outline text format</a:t>
             </a:r>
-            <a:endParaRPr b="0" lang="en-US" sz="3200" spc="-1" strike="noStrike">
-              <a:latin typeface="Arial"/>
-            </a:endParaRPr>
-          </a:p>
-          <a:p>
-            <a:pPr lvl="1" marL="864000" indent="-324000">
+            <a:endParaRPr b="0" lang="en-US" sz="1800" spc="-1" strike="noStrike">
+              <a:latin typeface="Arial"/>
+            </a:endParaRPr>
+          </a:p>
+          <a:p>
+            <a:pPr lvl="1" marL="864000" indent="-324000" algn="ctr">
               <a:spcBef>
                 <a:spcPts val="1134"/>
               </a:spcBef>
@@ -2851,17 +2850,17 @@
               <a:buChar char=""/>
             </a:pPr>
             <a:r>
-              <a:rPr b="0" lang="en-US" sz="2800" spc="-1" strike="noStrike">
+              <a:rPr b="0" lang="en-US" sz="1800" spc="-1" strike="noStrike">
                 <a:latin typeface="Arial"/>
               </a:rPr>
               <a:t>Second Outline Level</a:t>
             </a:r>
-            <a:endParaRPr b="0" lang="en-US" sz="2800" spc="-1" strike="noStrike">
-              <a:latin typeface="Arial"/>
-            </a:endParaRPr>
-          </a:p>
-          <a:p>
-            <a:pPr lvl="2" marL="1296000" indent="-288000">
+            <a:endParaRPr b="0" lang="en-US" sz="1800" spc="-1" strike="noStrike">
+              <a:latin typeface="Arial"/>
+            </a:endParaRPr>
+          </a:p>
+          <a:p>
+            <a:pPr lvl="2" marL="1296000" indent="-288000" algn="ctr">
               <a:spcBef>
                 <a:spcPts val="850"/>
               </a:spcBef>
@@ -2873,17 +2872,17 @@
               <a:buChar char=""/>
             </a:pPr>
             <a:r>
-              <a:rPr b="0" lang="en-US" sz="2400" spc="-1" strike="noStrike">
+              <a:rPr b="0" lang="en-US" sz="1800" spc="-1" strike="noStrike">
                 <a:latin typeface="Arial"/>
               </a:rPr>
               <a:t>Third Outline Level</a:t>
             </a:r>
-            <a:endParaRPr b="0" lang="en-US" sz="2400" spc="-1" strike="noStrike">
-              <a:latin typeface="Arial"/>
-            </a:endParaRPr>
-          </a:p>
-          <a:p>
-            <a:pPr lvl="3" marL="1728000" indent="-216000">
+            <a:endParaRPr b="0" lang="en-US" sz="1800" spc="-1" strike="noStrike">
+              <a:latin typeface="Arial"/>
+            </a:endParaRPr>
+          </a:p>
+          <a:p>
+            <a:pPr lvl="3" marL="1728000" indent="-216000" algn="ctr">
               <a:spcBef>
                 <a:spcPts val="567"/>
               </a:spcBef>
@@ -2895,17 +2894,17 @@
               <a:buChar char=""/>
             </a:pPr>
             <a:r>
-              <a:rPr b="0" lang="en-US" sz="2000" spc="-1" strike="noStrike">
+              <a:rPr b="0" lang="en-US" sz="1800" spc="-1" strike="noStrike">
                 <a:latin typeface="Arial"/>
               </a:rPr>
               <a:t>Fourth Outline Level</a:t>
             </a:r>
-            <a:endParaRPr b="0" lang="en-US" sz="2000" spc="-1" strike="noStrike">
-              <a:latin typeface="Arial"/>
-            </a:endParaRPr>
-          </a:p>
-          <a:p>
-            <a:pPr lvl="4" marL="2160000" indent="-216000">
+            <a:endParaRPr b="0" lang="en-US" sz="1800" spc="-1" strike="noStrike">
+              <a:latin typeface="Arial"/>
+            </a:endParaRPr>
+          </a:p>
+          <a:p>
+            <a:pPr lvl="4" marL="2160000" indent="-216000" algn="ctr">
               <a:spcBef>
                 <a:spcPts val="283"/>
               </a:spcBef>
@@ -2917,17 +2916,17 @@
               <a:buChar char=""/>
             </a:pPr>
             <a:r>
-              <a:rPr b="0" lang="en-US" sz="2000" spc="-1" strike="noStrike">
+              <a:rPr b="0" lang="en-US" sz="1800" spc="-1" strike="noStrike">
                 <a:latin typeface="Arial"/>
               </a:rPr>
               <a:t>Fifth Outline Level</a:t>
             </a:r>
-            <a:endParaRPr b="0" lang="en-US" sz="2000" spc="-1" strike="noStrike">
-              <a:latin typeface="Arial"/>
-            </a:endParaRPr>
-          </a:p>
-          <a:p>
-            <a:pPr lvl="5" marL="2592000" indent="-216000">
+            <a:endParaRPr b="0" lang="en-US" sz="1800" spc="-1" strike="noStrike">
+              <a:latin typeface="Arial"/>
+            </a:endParaRPr>
+          </a:p>
+          <a:p>
+            <a:pPr lvl="5" marL="2592000" indent="-216000" algn="ctr">
               <a:spcBef>
                 <a:spcPts val="283"/>
               </a:spcBef>
@@ -2939,17 +2938,17 @@
               <a:buChar char=""/>
             </a:pPr>
             <a:r>
-              <a:rPr b="0" lang="en-US" sz="2000" spc="-1" strike="noStrike">
+              <a:rPr b="0" lang="en-US" sz="1800" spc="-1" strike="noStrike">
                 <a:latin typeface="Arial"/>
               </a:rPr>
               <a:t>Sixth Outline Level</a:t>
             </a:r>
-            <a:endParaRPr b="0" lang="en-US" sz="2000" spc="-1" strike="noStrike">
-              <a:latin typeface="Arial"/>
-            </a:endParaRPr>
-          </a:p>
-          <a:p>
-            <a:pPr lvl="6" marL="3024000" indent="-216000">
+            <a:endParaRPr b="0" lang="en-US" sz="1800" spc="-1" strike="noStrike">
+              <a:latin typeface="Arial"/>
+            </a:endParaRPr>
+          </a:p>
+          <a:p>
+            <a:pPr lvl="6" marL="3024000" indent="-216000" algn="ctr">
               <a:spcBef>
                 <a:spcPts val="283"/>
               </a:spcBef>
@@ -2961,12 +2960,12 @@
               <a:buChar char=""/>
             </a:pPr>
             <a:r>
-              <a:rPr b="0" lang="en-US" sz="2000" spc="-1" strike="noStrike">
+              <a:rPr b="0" lang="en-US" sz="1800" spc="-1" strike="noStrike">
                 <a:latin typeface="Arial"/>
               </a:rPr>
               <a:t>Seventh Outline Level</a:t>
             </a:r>
-            <a:endParaRPr b="0" lang="en-US" sz="2000" spc="-1" strike="noStrike">
+            <a:endParaRPr b="0" lang="en-US" sz="1800" spc="-1" strike="noStrike">
               <a:latin typeface="Arial"/>
             </a:endParaRPr>
           </a:p>
@@ -3278,7 +3277,7 @@
         <p:spPr>
           <a:xfrm>
             <a:off x="1523880" y="1122480"/>
-            <a:ext cx="9143280" cy="2386800"/>
+            <a:ext cx="9142920" cy="2386440"/>
           </a:xfrm>
           <a:prstGeom prst="rect">
             <a:avLst/>
@@ -3310,6 +3309,7 @@
                   <a:srgbClr val="000000"/>
                 </a:solidFill>
                 <a:latin typeface="Calibri Light"/>
+                <a:ea typeface="DejaVu Sans"/>
               </a:rPr>
               <a:t>Zuul</a:t>
             </a:r>
@@ -3358,7 +3358,7 @@
         <p:spPr>
           <a:xfrm>
             <a:off x="838080" y="365040"/>
-            <a:ext cx="10514880" cy="1324800"/>
+            <a:ext cx="10514520" cy="1324440"/>
           </a:xfrm>
           <a:prstGeom prst="rect">
             <a:avLst/>
@@ -3390,6 +3390,7 @@
                   <a:srgbClr val="000000"/>
                 </a:solidFill>
                 <a:latin typeface="Calibri Light"/>
+                <a:ea typeface="DejaVu Sans"/>
               </a:rPr>
               <a:t>Definition</a:t>
             </a:r>
@@ -3408,7 +3409,7 @@
         <p:spPr>
           <a:xfrm>
             <a:off x="838080" y="1825560"/>
-            <a:ext cx="10514880" cy="4350600"/>
+            <a:ext cx="10514520" cy="4350240"/>
           </a:xfrm>
           <a:prstGeom prst="rect">
             <a:avLst/>
@@ -3443,6 +3444,7 @@
                   <a:srgbClr val="000000"/>
                 </a:solidFill>
                 <a:latin typeface="Calibri"/>
+                <a:ea typeface="DejaVu Sans"/>
               </a:rPr>
               <a:t>Zuul is an edge service that proxies requests to multiple backing services. It provides a unified “front door” to your system, which allows a browser, mobile app, or other user interface to consume services from multiple hosts without managing cross-origin resource sharing (CORS) and authentication for each one</a:t>
             </a:r>
@@ -3495,7 +3497,7 @@
         <p:spPr>
           <a:xfrm>
             <a:off x="2932200" y="1429200"/>
-            <a:ext cx="4657320" cy="2685600"/>
+            <a:ext cx="4656960" cy="2685240"/>
           </a:xfrm>
           <a:prstGeom prst="rect">
             <a:avLst/>
@@ -3544,7 +3546,7 @@
         <p:spPr>
           <a:xfrm>
             <a:off x="838080" y="365040"/>
-            <a:ext cx="1264680" cy="1189080"/>
+            <a:ext cx="1264320" cy="1188720"/>
           </a:xfrm>
           <a:prstGeom prst="rect">
             <a:avLst/>
@@ -3576,6 +3578,7 @@
                   <a:srgbClr val="000000"/>
                 </a:solidFill>
                 <a:latin typeface="Calibri"/>
+                <a:ea typeface="DejaVu Sans"/>
               </a:rPr>
               <a:t>Server</a:t>
             </a:r>
@@ -3594,7 +3597,7 @@
         <p:spPr>
           <a:xfrm>
             <a:off x="731520" y="1188720"/>
-            <a:ext cx="10514880" cy="4350600"/>
+            <a:ext cx="10514520" cy="4350240"/>
           </a:xfrm>
           <a:prstGeom prst="rect">
             <a:avLst/>
@@ -3615,6 +3618,11 @@
             <a:noAutofit/>
           </a:bodyPr>
           <a:p>
+            <a:pPr>
+              <a:lnSpc>
+                <a:spcPct val="100000"/>
+              </a:lnSpc>
+            </a:pPr>
             <a:r>
               <a:rPr b="0" lang="en-US" sz="1000" spc="-1" strike="noStrike">
                 <a:solidFill>
@@ -3823,6 +3831,11 @@
             </a:endParaRPr>
           </a:p>
           <a:p>
+            <a:pPr>
+              <a:lnSpc>
+                <a:spcPct val="100000"/>
+              </a:lnSpc>
+            </a:pPr>
             <a:r>
               <a:rPr b="0" lang="sv-SE" sz="1000" spc="-1" strike="noStrike">
                 <a:solidFill>
@@ -3966,6 +3979,11 @@
             </a:endParaRPr>
           </a:p>
           <a:p>
+            <a:pPr>
+              <a:lnSpc>
+                <a:spcPct val="100000"/>
+              </a:lnSpc>
+            </a:pPr>
             <a:r>
               <a:rPr b="0" lang="en-US" sz="1000" spc="-1" strike="noStrike">
                 <a:solidFill>
@@ -4297,7 +4315,7 @@
         <p:spPr>
           <a:xfrm>
             <a:off x="28080" y="66600"/>
-            <a:ext cx="12191760" cy="6758640"/>
+            <a:ext cx="12191400" cy="6758280"/>
           </a:xfrm>
           <a:prstGeom prst="rect">
             <a:avLst/>
@@ -4350,7 +4368,7 @@
         <p:spPr>
           <a:xfrm>
             <a:off x="640080" y="461880"/>
-            <a:ext cx="5266800" cy="1142640"/>
+            <a:ext cx="5266440" cy="1142280"/>
           </a:xfrm>
           <a:prstGeom prst="rect">
             <a:avLst/>
@@ -4373,7 +4391,7 @@
         <p:spPr>
           <a:xfrm>
             <a:off x="718560" y="1737360"/>
-            <a:ext cx="6048000" cy="1504440"/>
+            <a:ext cx="6047640" cy="1504080"/>
           </a:xfrm>
           <a:prstGeom prst="rect">
             <a:avLst/>
@@ -4396,7 +4414,7 @@
         <p:spPr>
           <a:xfrm>
             <a:off x="709560" y="2834640"/>
-            <a:ext cx="6879960" cy="1929960"/>
+            <a:ext cx="6879600" cy="1929600"/>
           </a:xfrm>
           <a:prstGeom prst="rect">
             <a:avLst/>
@@ -4438,74 +4456,14 @@
       </p:grpSpPr>
       <p:sp>
         <p:nvSpPr>
-          <p:cNvPr id="86" name="TextShape 1"/>
-          <p:cNvSpPr txBox="1"/>
-          <p:nvPr/>
-        </p:nvSpPr>
-        <p:spPr>
-          <a:xfrm>
-            <a:off x="609480" y="1604520"/>
-            <a:ext cx="10972440" cy="3977280"/>
-          </a:xfrm>
-          <a:prstGeom prst="rect">
-            <a:avLst/>
-          </a:prstGeom>
-          <a:noFill/>
-          <a:ln>
-            <a:noFill/>
-          </a:ln>
-        </p:spPr>
-        <p:txBody>
-          <a:bodyPr lIns="0" rIns="0" tIns="0" bIns="0">
-            <a:normAutofit/>
-          </a:bodyPr>
-          <a:p>
-            <a:endParaRPr b="0" lang="en-US" sz="3200" spc="-1" strike="noStrike">
-              <a:latin typeface="Arial"/>
-            </a:endParaRPr>
-          </a:p>
-        </p:txBody>
-      </p:sp>
-    </p:spTree>
-  </p:cSld>
-  <mc:AlternateContent>
-    <mc:Choice Requires="p14">
-      <p:transition spd="slow" p14:dur="2000"/>
-    </mc:Choice>
-    <mc:Fallback>
-      <p:transition spd="slow"/>
-    </mc:Fallback>
-  </mc:AlternateContent>
-</p:sld>
-</file>
-
-<file path=ppt/slides/slide8.xml><?xml version="1.0" encoding="utf-8"?>
-<p:sld xmlns:a="http://schemas.openxmlformats.org/drawingml/2006/main" xmlns:p="http://schemas.openxmlformats.org/presentationml/2006/main" xmlns:r="http://schemas.openxmlformats.org/officeDocument/2006/relationships" xmlns:p14="http://schemas.microsoft.com/office/powerpoint/2010/main" xmlns:p15="http://schemas.microsoft.com/office/powerpoint/2012/main" xmlns:mc="http://schemas.openxmlformats.org/markup-compatibility/2006">
-  <p:cSld>
-    <p:spTree>
-      <p:nvGrpSpPr>
-        <p:cNvPr id="1" name=""/>
-        <p:cNvGrpSpPr/>
-        <p:nvPr/>
-      </p:nvGrpSpPr>
-      <p:grpSpPr>
-        <a:xfrm>
-          <a:off x="0" y="0"/>
-          <a:ext cx="0" cy="0"/>
-          <a:chOff x="0" y="0"/>
-          <a:chExt cx="0" cy="0"/>
-        </a:xfrm>
-      </p:grpSpPr>
-      <p:sp>
-        <p:nvSpPr>
-          <p:cNvPr id="87" name="CustomShape 1"/>
+          <p:cNvPr id="86" name="CustomShape 1"/>
           <p:cNvSpPr/>
           <p:nvPr/>
         </p:nvSpPr>
         <p:spPr>
           <a:xfrm>
             <a:off x="1523880" y="1122480"/>
-            <a:ext cx="9143280" cy="2386800"/>
+            <a:ext cx="9142920" cy="2386440"/>
           </a:xfrm>
           <a:prstGeom prst="rect">
             <a:avLst/>
@@ -4537,6 +4495,7 @@
                   <a:srgbClr val="000000"/>
                 </a:solidFill>
                 <a:latin typeface="Calibri Light"/>
+                <a:ea typeface="DejaVu Sans"/>
               </a:rPr>
               <a:t>Gateway</a:t>
             </a:r>

--- a/Day5/Spring_cloud.pptx
+++ b/Day5/Spring_cloud.pptx
@@ -10,9 +10,6 @@
     <p:sldId id="257" r:id="rId5"/>
     <p:sldId id="258" r:id="rId6"/>
     <p:sldId id="259" r:id="rId7"/>
-    <p:sldId id="260" r:id="rId8"/>
-    <p:sldId id="261" r:id="rId9"/>
-    <p:sldId id="262" r:id="rId10"/>
   </p:sldIdLst>
   <p:sldSz cx="12192000" cy="6858000"/>
   <p:notesSz cx="7772400" cy="10058400"/>
@@ -70,8 +67,8 @@
         </p:nvSpPr>
         <p:spPr>
           <a:xfrm>
-            <a:off x="838080" y="365040"/>
-            <a:ext cx="10514520" cy="1324440"/>
+            <a:off x="609480" y="273600"/>
+            <a:ext cx="10972440" cy="1144800"/>
           </a:xfrm>
           <a:prstGeom prst="rect">
             <a:avLst/>
@@ -102,7 +99,7 @@
         <p:spPr>
           <a:xfrm>
             <a:off x="609480" y="1604520"/>
-            <a:ext cx="10972080" cy="1896840"/>
+            <a:ext cx="10972440" cy="1896840"/>
           </a:xfrm>
           <a:prstGeom prst="rect">
             <a:avLst/>
@@ -132,7 +129,7 @@
         <p:spPr>
           <a:xfrm>
             <a:off x="609480" y="3682080"/>
-            <a:ext cx="10972080" cy="1896840"/>
+            <a:ext cx="10972440" cy="1896840"/>
           </a:xfrm>
           <a:prstGeom prst="rect">
             <a:avLst/>
@@ -183,8 +180,8 @@
         </p:nvSpPr>
         <p:spPr>
           <a:xfrm>
-            <a:off x="838080" y="365040"/>
-            <a:ext cx="10514520" cy="1324440"/>
+            <a:off x="609480" y="273600"/>
+            <a:ext cx="10972440" cy="1144800"/>
           </a:xfrm>
           <a:prstGeom prst="rect">
             <a:avLst/>
@@ -356,8 +353,8 @@
         </p:nvSpPr>
         <p:spPr>
           <a:xfrm>
-            <a:off x="838080" y="365040"/>
-            <a:ext cx="10514520" cy="1324440"/>
+            <a:off x="609480" y="273600"/>
+            <a:ext cx="10972440" cy="1144800"/>
           </a:xfrm>
           <a:prstGeom prst="rect">
             <a:avLst/>
@@ -388,7 +385,7 @@
         <p:spPr>
           <a:xfrm>
             <a:off x="609480" y="1604520"/>
-            <a:ext cx="3532680" cy="1896840"/>
+            <a:ext cx="3533040" cy="1896840"/>
           </a:xfrm>
           <a:prstGeom prst="rect">
             <a:avLst/>
@@ -417,8 +414,8 @@
         </p:nvSpPr>
         <p:spPr>
           <a:xfrm>
-            <a:off x="4319280" y="1604520"/>
-            <a:ext cx="3532680" cy="1896840"/>
+            <a:off x="4319640" y="1604520"/>
+            <a:ext cx="3533040" cy="1896840"/>
           </a:xfrm>
           <a:prstGeom prst="rect">
             <a:avLst/>
@@ -447,8 +444,8 @@
         </p:nvSpPr>
         <p:spPr>
           <a:xfrm>
-            <a:off x="8028720" y="1604520"/>
-            <a:ext cx="3532680" cy="1896840"/>
+            <a:off x="8029800" y="1604520"/>
+            <a:ext cx="3533040" cy="1896840"/>
           </a:xfrm>
           <a:prstGeom prst="rect">
             <a:avLst/>
@@ -478,7 +475,7 @@
         <p:spPr>
           <a:xfrm>
             <a:off x="609480" y="3682080"/>
-            <a:ext cx="3532680" cy="1896840"/>
+            <a:ext cx="3533040" cy="1896840"/>
           </a:xfrm>
           <a:prstGeom prst="rect">
             <a:avLst/>
@@ -507,8 +504,8 @@
         </p:nvSpPr>
         <p:spPr>
           <a:xfrm>
-            <a:off x="4319280" y="3682080"/>
-            <a:ext cx="3532680" cy="1896840"/>
+            <a:off x="4319640" y="3682080"/>
+            <a:ext cx="3533040" cy="1896840"/>
           </a:xfrm>
           <a:prstGeom prst="rect">
             <a:avLst/>
@@ -537,8 +534,8 @@
         </p:nvSpPr>
         <p:spPr>
           <a:xfrm>
-            <a:off x="8028720" y="3682080"/>
-            <a:ext cx="3532680" cy="1896840"/>
+            <a:off x="8029800" y="3682080"/>
+            <a:ext cx="3533040" cy="1896840"/>
           </a:xfrm>
           <a:prstGeom prst="rect">
             <a:avLst/>
@@ -611,8 +608,8 @@
         </p:nvSpPr>
         <p:spPr>
           <a:xfrm>
-            <a:off x="838080" y="365040"/>
-            <a:ext cx="10514520" cy="1324440"/>
+            <a:off x="609480" y="273600"/>
+            <a:ext cx="10972440" cy="1144800"/>
           </a:xfrm>
           <a:prstGeom prst="rect">
             <a:avLst/>
@@ -643,7 +640,7 @@
         <p:spPr>
           <a:xfrm>
             <a:off x="609480" y="1604520"/>
-            <a:ext cx="10972080" cy="3976920"/>
+            <a:ext cx="10972440" cy="3977280"/>
           </a:xfrm>
           <a:prstGeom prst="rect">
             <a:avLst/>
@@ -695,8 +692,8 @@
         </p:nvSpPr>
         <p:spPr>
           <a:xfrm>
-            <a:off x="838080" y="365040"/>
-            <a:ext cx="10514520" cy="1324440"/>
+            <a:off x="609480" y="273600"/>
+            <a:ext cx="10972440" cy="1144800"/>
           </a:xfrm>
           <a:prstGeom prst="rect">
             <a:avLst/>
@@ -727,7 +724,7 @@
         <p:spPr>
           <a:xfrm>
             <a:off x="609480" y="1604520"/>
-            <a:ext cx="10972080" cy="3976920"/>
+            <a:ext cx="10972440" cy="3977280"/>
           </a:xfrm>
           <a:prstGeom prst="rect">
             <a:avLst/>
@@ -778,8 +775,8 @@
         </p:nvSpPr>
         <p:spPr>
           <a:xfrm>
-            <a:off x="838080" y="365040"/>
-            <a:ext cx="10514520" cy="1324440"/>
+            <a:off x="609480" y="273600"/>
+            <a:ext cx="10972440" cy="1144800"/>
           </a:xfrm>
           <a:prstGeom prst="rect">
             <a:avLst/>
@@ -810,7 +807,7 @@
         <p:spPr>
           <a:xfrm>
             <a:off x="609480" y="1604520"/>
-            <a:ext cx="5354280" cy="3976920"/>
+            <a:ext cx="5354280" cy="3977280"/>
           </a:xfrm>
           <a:prstGeom prst="rect">
             <a:avLst/>
@@ -840,7 +837,7 @@
         <p:spPr>
           <a:xfrm>
             <a:off x="6231960" y="1604520"/>
-            <a:ext cx="5354280" cy="3976920"/>
+            <a:ext cx="5354280" cy="3977280"/>
           </a:xfrm>
           <a:prstGeom prst="rect">
             <a:avLst/>
@@ -891,8 +888,8 @@
         </p:nvSpPr>
         <p:spPr>
           <a:xfrm>
-            <a:off x="838080" y="365040"/>
-            <a:ext cx="10514520" cy="1324440"/>
+            <a:off x="609480" y="273600"/>
+            <a:ext cx="10972440" cy="1144800"/>
           </a:xfrm>
           <a:prstGeom prst="rect">
             <a:avLst/>
@@ -944,8 +941,8 @@
         </p:nvSpPr>
         <p:spPr>
           <a:xfrm>
-            <a:off x="838080" y="365040"/>
-            <a:ext cx="10514520" cy="6140520"/>
+            <a:off x="609480" y="273600"/>
+            <a:ext cx="10972440" cy="5307840"/>
           </a:xfrm>
           <a:prstGeom prst="rect">
             <a:avLst/>
@@ -997,8 +994,8 @@
         </p:nvSpPr>
         <p:spPr>
           <a:xfrm>
-            <a:off x="838080" y="365040"/>
-            <a:ext cx="10514520" cy="1324440"/>
+            <a:off x="609480" y="273600"/>
+            <a:ext cx="10972440" cy="1144800"/>
           </a:xfrm>
           <a:prstGeom prst="rect">
             <a:avLst/>
@@ -1059,7 +1056,7 @@
         <p:spPr>
           <a:xfrm>
             <a:off x="6231960" y="1604520"/>
-            <a:ext cx="5354280" cy="3976920"/>
+            <a:ext cx="5354280" cy="3977280"/>
           </a:xfrm>
           <a:prstGeom prst="rect">
             <a:avLst/>
@@ -1140,8 +1137,8 @@
         </p:nvSpPr>
         <p:spPr>
           <a:xfrm>
-            <a:off x="838080" y="365040"/>
-            <a:ext cx="10514520" cy="1324440"/>
+            <a:off x="609480" y="273600"/>
+            <a:ext cx="10972440" cy="1144800"/>
           </a:xfrm>
           <a:prstGeom prst="rect">
             <a:avLst/>
@@ -1172,7 +1169,7 @@
         <p:spPr>
           <a:xfrm>
             <a:off x="609480" y="1604520"/>
-            <a:ext cx="10972080" cy="3976920"/>
+            <a:ext cx="10972440" cy="3977280"/>
           </a:xfrm>
           <a:prstGeom prst="rect">
             <a:avLst/>
@@ -1224,8 +1221,8 @@
         </p:nvSpPr>
         <p:spPr>
           <a:xfrm>
-            <a:off x="838080" y="365040"/>
-            <a:ext cx="10514520" cy="1324440"/>
+            <a:off x="609480" y="273600"/>
+            <a:ext cx="10972440" cy="1144800"/>
           </a:xfrm>
           <a:prstGeom prst="rect">
             <a:avLst/>
@@ -1256,7 +1253,7 @@
         <p:spPr>
           <a:xfrm>
             <a:off x="609480" y="1604520"/>
-            <a:ext cx="5354280" cy="3976920"/>
+            <a:ext cx="5354280" cy="3977280"/>
           </a:xfrm>
           <a:prstGeom prst="rect">
             <a:avLst/>
@@ -1367,8 +1364,8 @@
         </p:nvSpPr>
         <p:spPr>
           <a:xfrm>
-            <a:off x="838080" y="365040"/>
-            <a:ext cx="10514520" cy="1324440"/>
+            <a:off x="609480" y="273600"/>
+            <a:ext cx="10972440" cy="1144800"/>
           </a:xfrm>
           <a:prstGeom prst="rect">
             <a:avLst/>
@@ -1459,7 +1456,7 @@
         <p:spPr>
           <a:xfrm>
             <a:off x="609480" y="3682080"/>
-            <a:ext cx="10972080" cy="1896840"/>
+            <a:ext cx="10972440" cy="1896840"/>
           </a:xfrm>
           <a:prstGeom prst="rect">
             <a:avLst/>
@@ -1510,8 +1507,8 @@
         </p:nvSpPr>
         <p:spPr>
           <a:xfrm>
-            <a:off x="838080" y="365040"/>
-            <a:ext cx="10514520" cy="1324440"/>
+            <a:off x="609480" y="273600"/>
+            <a:ext cx="10972440" cy="1144800"/>
           </a:xfrm>
           <a:prstGeom prst="rect">
             <a:avLst/>
@@ -1542,7 +1539,7 @@
         <p:spPr>
           <a:xfrm>
             <a:off x="609480" y="1604520"/>
-            <a:ext cx="10972080" cy="1896840"/>
+            <a:ext cx="10972440" cy="1896840"/>
           </a:xfrm>
           <a:prstGeom prst="rect">
             <a:avLst/>
@@ -1572,7 +1569,7 @@
         <p:spPr>
           <a:xfrm>
             <a:off x="609480" y="3682080"/>
-            <a:ext cx="10972080" cy="1896840"/>
+            <a:ext cx="10972440" cy="1896840"/>
           </a:xfrm>
           <a:prstGeom prst="rect">
             <a:avLst/>
@@ -1623,8 +1620,8 @@
         </p:nvSpPr>
         <p:spPr>
           <a:xfrm>
-            <a:off x="838080" y="365040"/>
-            <a:ext cx="10514520" cy="1324440"/>
+            <a:off x="609480" y="273600"/>
+            <a:ext cx="10972440" cy="1144800"/>
           </a:xfrm>
           <a:prstGeom prst="rect">
             <a:avLst/>
@@ -1796,8 +1793,8 @@
         </p:nvSpPr>
         <p:spPr>
           <a:xfrm>
-            <a:off x="838080" y="365040"/>
-            <a:ext cx="10514520" cy="1324440"/>
+            <a:off x="609480" y="273600"/>
+            <a:ext cx="10972440" cy="1144800"/>
           </a:xfrm>
           <a:prstGeom prst="rect">
             <a:avLst/>
@@ -1828,7 +1825,7 @@
         <p:spPr>
           <a:xfrm>
             <a:off x="609480" y="1604520"/>
-            <a:ext cx="3532680" cy="1896840"/>
+            <a:ext cx="3533040" cy="1896840"/>
           </a:xfrm>
           <a:prstGeom prst="rect">
             <a:avLst/>
@@ -1857,8 +1854,8 @@
         </p:nvSpPr>
         <p:spPr>
           <a:xfrm>
-            <a:off x="4319280" y="1604520"/>
-            <a:ext cx="3532680" cy="1896840"/>
+            <a:off x="4319640" y="1604520"/>
+            <a:ext cx="3533040" cy="1896840"/>
           </a:xfrm>
           <a:prstGeom prst="rect">
             <a:avLst/>
@@ -1887,8 +1884,8 @@
         </p:nvSpPr>
         <p:spPr>
           <a:xfrm>
-            <a:off x="8028720" y="1604520"/>
-            <a:ext cx="3532680" cy="1896840"/>
+            <a:off x="8029800" y="1604520"/>
+            <a:ext cx="3533040" cy="1896840"/>
           </a:xfrm>
           <a:prstGeom prst="rect">
             <a:avLst/>
@@ -1918,7 +1915,7 @@
         <p:spPr>
           <a:xfrm>
             <a:off x="609480" y="3682080"/>
-            <a:ext cx="3532680" cy="1896840"/>
+            <a:ext cx="3533040" cy="1896840"/>
           </a:xfrm>
           <a:prstGeom prst="rect">
             <a:avLst/>
@@ -1947,8 +1944,8 @@
         </p:nvSpPr>
         <p:spPr>
           <a:xfrm>
-            <a:off x="4319280" y="3682080"/>
-            <a:ext cx="3532680" cy="1896840"/>
+            <a:off x="4319640" y="3682080"/>
+            <a:ext cx="3533040" cy="1896840"/>
           </a:xfrm>
           <a:prstGeom prst="rect">
             <a:avLst/>
@@ -1977,8 +1974,8 @@
         </p:nvSpPr>
         <p:spPr>
           <a:xfrm>
-            <a:off x="8028720" y="3682080"/>
-            <a:ext cx="3532680" cy="1896840"/>
+            <a:off x="8029800" y="3682080"/>
+            <a:ext cx="3533040" cy="1896840"/>
           </a:xfrm>
           <a:prstGeom prst="rect">
             <a:avLst/>
@@ -2029,8 +2026,8 @@
         </p:nvSpPr>
         <p:spPr>
           <a:xfrm>
-            <a:off x="838080" y="365040"/>
-            <a:ext cx="10514520" cy="1324440"/>
+            <a:off x="609480" y="273600"/>
+            <a:ext cx="10972440" cy="1144800"/>
           </a:xfrm>
           <a:prstGeom prst="rect">
             <a:avLst/>
@@ -2061,7 +2058,7 @@
         <p:spPr>
           <a:xfrm>
             <a:off x="609480" y="1604520"/>
-            <a:ext cx="10972080" cy="3976920"/>
+            <a:ext cx="10972440" cy="3977280"/>
           </a:xfrm>
           <a:prstGeom prst="rect">
             <a:avLst/>
@@ -2112,8 +2109,8 @@
         </p:nvSpPr>
         <p:spPr>
           <a:xfrm>
-            <a:off x="838080" y="365040"/>
-            <a:ext cx="10514520" cy="1324440"/>
+            <a:off x="609480" y="273600"/>
+            <a:ext cx="10972440" cy="1144800"/>
           </a:xfrm>
           <a:prstGeom prst="rect">
             <a:avLst/>
@@ -2144,7 +2141,7 @@
         <p:spPr>
           <a:xfrm>
             <a:off x="609480" y="1604520"/>
-            <a:ext cx="5354280" cy="3976920"/>
+            <a:ext cx="5354280" cy="3977280"/>
           </a:xfrm>
           <a:prstGeom prst="rect">
             <a:avLst/>
@@ -2174,7 +2171,7 @@
         <p:spPr>
           <a:xfrm>
             <a:off x="6231960" y="1604520"/>
-            <a:ext cx="5354280" cy="3976920"/>
+            <a:ext cx="5354280" cy="3977280"/>
           </a:xfrm>
           <a:prstGeom prst="rect">
             <a:avLst/>
@@ -2225,8 +2222,8 @@
         </p:nvSpPr>
         <p:spPr>
           <a:xfrm>
-            <a:off x="838080" y="365040"/>
-            <a:ext cx="10514520" cy="1324440"/>
+            <a:off x="609480" y="273600"/>
+            <a:ext cx="10972440" cy="1144800"/>
           </a:xfrm>
           <a:prstGeom prst="rect">
             <a:avLst/>
@@ -2278,8 +2275,8 @@
         </p:nvSpPr>
         <p:spPr>
           <a:xfrm>
-            <a:off x="838080" y="365040"/>
-            <a:ext cx="10514520" cy="6140520"/>
+            <a:off x="609480" y="273600"/>
+            <a:ext cx="10972440" cy="5307840"/>
           </a:xfrm>
           <a:prstGeom prst="rect">
             <a:avLst/>
@@ -2331,8 +2328,8 @@
         </p:nvSpPr>
         <p:spPr>
           <a:xfrm>
-            <a:off x="838080" y="365040"/>
-            <a:ext cx="10514520" cy="1324440"/>
+            <a:off x="609480" y="273600"/>
+            <a:ext cx="10972440" cy="1144800"/>
           </a:xfrm>
           <a:prstGeom prst="rect">
             <a:avLst/>
@@ -2393,7 +2390,7 @@
         <p:spPr>
           <a:xfrm>
             <a:off x="6231960" y="1604520"/>
-            <a:ext cx="5354280" cy="3976920"/>
+            <a:ext cx="5354280" cy="3977280"/>
           </a:xfrm>
           <a:prstGeom prst="rect">
             <a:avLst/>
@@ -2474,8 +2471,8 @@
         </p:nvSpPr>
         <p:spPr>
           <a:xfrm>
-            <a:off x="838080" y="365040"/>
-            <a:ext cx="10514520" cy="1324440"/>
+            <a:off x="609480" y="273600"/>
+            <a:ext cx="10972440" cy="1144800"/>
           </a:xfrm>
           <a:prstGeom prst="rect">
             <a:avLst/>
@@ -2506,7 +2503,7 @@
         <p:spPr>
           <a:xfrm>
             <a:off x="609480" y="1604520"/>
-            <a:ext cx="5354280" cy="3976920"/>
+            <a:ext cx="5354280" cy="3977280"/>
           </a:xfrm>
           <a:prstGeom prst="rect">
             <a:avLst/>
@@ -2617,8 +2614,8 @@
         </p:nvSpPr>
         <p:spPr>
           <a:xfrm>
-            <a:off x="838080" y="365040"/>
-            <a:ext cx="10514520" cy="1324440"/>
+            <a:off x="609480" y="273600"/>
+            <a:ext cx="10972440" cy="1144800"/>
           </a:xfrm>
           <a:prstGeom prst="rect">
             <a:avLst/>
@@ -2709,7 +2706,7 @@
         <p:spPr>
           <a:xfrm>
             <a:off x="609480" y="3682080"/>
-            <a:ext cx="10972080" cy="1896840"/>
+            <a:ext cx="10972440" cy="1896840"/>
           </a:xfrm>
           <a:prstGeom prst="rect">
             <a:avLst/>
@@ -2767,8 +2764,8 @@
         </p:nvSpPr>
         <p:spPr>
           <a:xfrm>
-            <a:off x="838080" y="365040"/>
-            <a:ext cx="10514520" cy="1324440"/>
+            <a:off x="609480" y="273600"/>
+            <a:ext cx="10972440" cy="1144800"/>
           </a:xfrm>
           <a:prstGeom prst="rect">
             <a:avLst/>
@@ -2781,12 +2778,12 @@
           <a:p>
             <a:pPr algn="ctr"/>
             <a:r>
-              <a:rPr b="0" lang="en-US" sz="1800" spc="-1" strike="noStrike">
+              <a:rPr b="0" lang="en-US" sz="4400" spc="-1" strike="noStrike">
                 <a:latin typeface="Arial"/>
               </a:rPr>
               <a:t>Click to edit the title text format</a:t>
             </a:r>
-            <a:endParaRPr b="0" lang="en-US" sz="1800" spc="-1" strike="noStrike">
+            <a:endParaRPr b="0" lang="en-US" sz="4400" spc="-1" strike="noStrike">
               <a:latin typeface="Arial"/>
             </a:endParaRPr>
           </a:p>
@@ -2805,18 +2802,18 @@
         <p:spPr>
           <a:xfrm>
             <a:off x="609480" y="1604520"/>
-            <a:ext cx="10972080" cy="3976920"/>
-          </a:xfrm>
-          <a:prstGeom prst="rect">
-            <a:avLst/>
-          </a:prstGeom>
-        </p:spPr>
-        <p:txBody>
-          <a:bodyPr lIns="0" rIns="0" tIns="0" bIns="0">
-            <a:normAutofit/>
-          </a:bodyPr>
-          <a:p>
-            <a:pPr marL="432000" indent="-324000" algn="ctr">
+            <a:ext cx="10972440" cy="3977280"/>
+          </a:xfrm>
+          <a:prstGeom prst="rect">
+            <a:avLst/>
+          </a:prstGeom>
+        </p:spPr>
+        <p:txBody>
+          <a:bodyPr lIns="0" rIns="0" tIns="0" bIns="0">
+            <a:normAutofit/>
+          </a:bodyPr>
+          <a:p>
+            <a:pPr marL="432000" indent="-324000">
               <a:spcBef>
                 <a:spcPts val="1417"/>
               </a:spcBef>
@@ -2828,17 +2825,17 @@
               <a:buChar char=""/>
             </a:pPr>
             <a:r>
-              <a:rPr b="0" lang="en-US" sz="1800" spc="-1" strike="noStrike">
+              <a:rPr b="0" lang="en-US" sz="3200" spc="-1" strike="noStrike">
                 <a:latin typeface="Arial"/>
               </a:rPr>
               <a:t>Click to edit the outline text format</a:t>
             </a:r>
-            <a:endParaRPr b="0" lang="en-US" sz="1800" spc="-1" strike="noStrike">
-              <a:latin typeface="Arial"/>
-            </a:endParaRPr>
-          </a:p>
-          <a:p>
-            <a:pPr lvl="1" marL="864000" indent="-324000" algn="ctr">
+            <a:endParaRPr b="0" lang="en-US" sz="3200" spc="-1" strike="noStrike">
+              <a:latin typeface="Arial"/>
+            </a:endParaRPr>
+          </a:p>
+          <a:p>
+            <a:pPr lvl="1" marL="864000" indent="-324000">
               <a:spcBef>
                 <a:spcPts val="1134"/>
               </a:spcBef>
@@ -2850,17 +2847,17 @@
               <a:buChar char=""/>
             </a:pPr>
             <a:r>
-              <a:rPr b="0" lang="en-US" sz="1800" spc="-1" strike="noStrike">
+              <a:rPr b="0" lang="en-US" sz="2800" spc="-1" strike="noStrike">
                 <a:latin typeface="Arial"/>
               </a:rPr>
               <a:t>Second Outline Level</a:t>
             </a:r>
-            <a:endParaRPr b="0" lang="en-US" sz="1800" spc="-1" strike="noStrike">
-              <a:latin typeface="Arial"/>
-            </a:endParaRPr>
-          </a:p>
-          <a:p>
-            <a:pPr lvl="2" marL="1296000" indent="-288000" algn="ctr">
+            <a:endParaRPr b="0" lang="en-US" sz="2800" spc="-1" strike="noStrike">
+              <a:latin typeface="Arial"/>
+            </a:endParaRPr>
+          </a:p>
+          <a:p>
+            <a:pPr lvl="2" marL="1296000" indent="-288000">
               <a:spcBef>
                 <a:spcPts val="850"/>
               </a:spcBef>
@@ -2872,17 +2869,17 @@
               <a:buChar char=""/>
             </a:pPr>
             <a:r>
-              <a:rPr b="0" lang="en-US" sz="1800" spc="-1" strike="noStrike">
+              <a:rPr b="0" lang="en-US" sz="2400" spc="-1" strike="noStrike">
                 <a:latin typeface="Arial"/>
               </a:rPr>
               <a:t>Third Outline Level</a:t>
             </a:r>
-            <a:endParaRPr b="0" lang="en-US" sz="1800" spc="-1" strike="noStrike">
-              <a:latin typeface="Arial"/>
-            </a:endParaRPr>
-          </a:p>
-          <a:p>
-            <a:pPr lvl="3" marL="1728000" indent="-216000" algn="ctr">
+            <a:endParaRPr b="0" lang="en-US" sz="2400" spc="-1" strike="noStrike">
+              <a:latin typeface="Arial"/>
+            </a:endParaRPr>
+          </a:p>
+          <a:p>
+            <a:pPr lvl="3" marL="1728000" indent="-216000">
               <a:spcBef>
                 <a:spcPts val="567"/>
               </a:spcBef>
@@ -2894,17 +2891,17 @@
               <a:buChar char=""/>
             </a:pPr>
             <a:r>
-              <a:rPr b="0" lang="en-US" sz="1800" spc="-1" strike="noStrike">
+              <a:rPr b="0" lang="en-US" sz="2000" spc="-1" strike="noStrike">
                 <a:latin typeface="Arial"/>
               </a:rPr>
               <a:t>Fourth Outline Level</a:t>
             </a:r>
-            <a:endParaRPr b="0" lang="en-US" sz="1800" spc="-1" strike="noStrike">
-              <a:latin typeface="Arial"/>
-            </a:endParaRPr>
-          </a:p>
-          <a:p>
-            <a:pPr lvl="4" marL="2160000" indent="-216000" algn="ctr">
+            <a:endParaRPr b="0" lang="en-US" sz="2000" spc="-1" strike="noStrike">
+              <a:latin typeface="Arial"/>
+            </a:endParaRPr>
+          </a:p>
+          <a:p>
+            <a:pPr lvl="4" marL="2160000" indent="-216000">
               <a:spcBef>
                 <a:spcPts val="283"/>
               </a:spcBef>
@@ -2916,17 +2913,17 @@
               <a:buChar char=""/>
             </a:pPr>
             <a:r>
-              <a:rPr b="0" lang="en-US" sz="1800" spc="-1" strike="noStrike">
+              <a:rPr b="0" lang="en-US" sz="2000" spc="-1" strike="noStrike">
                 <a:latin typeface="Arial"/>
               </a:rPr>
               <a:t>Fifth Outline Level</a:t>
             </a:r>
-            <a:endParaRPr b="0" lang="en-US" sz="1800" spc="-1" strike="noStrike">
-              <a:latin typeface="Arial"/>
-            </a:endParaRPr>
-          </a:p>
-          <a:p>
-            <a:pPr lvl="5" marL="2592000" indent="-216000" algn="ctr">
+            <a:endParaRPr b="0" lang="en-US" sz="2000" spc="-1" strike="noStrike">
+              <a:latin typeface="Arial"/>
+            </a:endParaRPr>
+          </a:p>
+          <a:p>
+            <a:pPr lvl="5" marL="2592000" indent="-216000">
               <a:spcBef>
                 <a:spcPts val="283"/>
               </a:spcBef>
@@ -2938,17 +2935,17 @@
               <a:buChar char=""/>
             </a:pPr>
             <a:r>
-              <a:rPr b="0" lang="en-US" sz="1800" spc="-1" strike="noStrike">
+              <a:rPr b="0" lang="en-US" sz="2000" spc="-1" strike="noStrike">
                 <a:latin typeface="Arial"/>
               </a:rPr>
               <a:t>Sixth Outline Level</a:t>
             </a:r>
-            <a:endParaRPr b="0" lang="en-US" sz="1800" spc="-1" strike="noStrike">
-              <a:latin typeface="Arial"/>
-            </a:endParaRPr>
-          </a:p>
-          <a:p>
-            <a:pPr lvl="6" marL="3024000" indent="-216000" algn="ctr">
+            <a:endParaRPr b="0" lang="en-US" sz="2000" spc="-1" strike="noStrike">
+              <a:latin typeface="Arial"/>
+            </a:endParaRPr>
+          </a:p>
+          <a:p>
+            <a:pPr lvl="6" marL="3024000" indent="-216000">
               <a:spcBef>
                 <a:spcPts val="283"/>
               </a:spcBef>
@@ -2960,12 +2957,12 @@
               <a:buChar char=""/>
             </a:pPr>
             <a:r>
-              <a:rPr b="0" lang="en-US" sz="1800" spc="-1" strike="noStrike">
+              <a:rPr b="0" lang="en-US" sz="2000" spc="-1" strike="noStrike">
                 <a:latin typeface="Arial"/>
               </a:rPr>
               <a:t>Seventh Outline Level</a:t>
             </a:r>
-            <a:endParaRPr b="0" lang="en-US" sz="1800" spc="-1" strike="noStrike">
+            <a:endParaRPr b="0" lang="en-US" sz="2000" spc="-1" strike="noStrike">
               <a:latin typeface="Arial"/>
             </a:endParaRPr>
           </a:p>
@@ -3268,57 +3265,29 @@
           <a:chExt cx="0" cy="0"/>
         </a:xfrm>
       </p:grpSpPr>
-      <p:sp>
-        <p:nvSpPr>
-          <p:cNvPr id="76" name="CustomShape 1"/>
-          <p:cNvSpPr/>
+      <p:pic>
+        <p:nvPicPr>
+          <p:cNvPr id="76" name="" descr=""/>
+          <p:cNvPicPr/>
           <p:nvPr/>
-        </p:nvSpPr>
-        <p:spPr>
-          <a:xfrm>
-            <a:off x="1523880" y="1122480"/>
-            <a:ext cx="9142920" cy="2386440"/>
-          </a:xfrm>
-          <a:prstGeom prst="rect">
-            <a:avLst/>
-          </a:prstGeom>
-          <a:noFill/>
+        </p:nvPicPr>
+        <p:blipFill>
+          <a:blip r:embed="rId1"/>
+          <a:stretch/>
+        </p:blipFill>
+        <p:spPr>
+          <a:xfrm>
+            <a:off x="2932200" y="1429200"/>
+            <a:ext cx="4656600" cy="2684880"/>
+          </a:xfrm>
+          <a:prstGeom prst="rect">
+            <a:avLst/>
+          </a:prstGeom>
           <a:ln>
             <a:noFill/>
           </a:ln>
         </p:spPr>
-        <p:style>
-          <a:lnRef idx="0"/>
-          <a:fillRef idx="0"/>
-          <a:effectRef idx="0"/>
-          <a:fontRef idx="minor"/>
-        </p:style>
-        <p:txBody>
-          <a:bodyPr lIns="90000" rIns="90000" tIns="45000" bIns="45000" anchor="b">
-            <a:noAutofit/>
-          </a:bodyPr>
-          <a:p>
-            <a:pPr algn="ctr">
-              <a:lnSpc>
-                <a:spcPct val="90000"/>
-              </a:lnSpc>
-            </a:pPr>
-            <a:r>
-              <a:rPr b="0" i="1" lang="sv-SE" sz="6000" spc="-1" strike="noStrike">
-                <a:solidFill>
-                  <a:srgbClr val="000000"/>
-                </a:solidFill>
-                <a:latin typeface="Calibri Light"/>
-                <a:ea typeface="DejaVu Sans"/>
-              </a:rPr>
-              <a:t>Zuul</a:t>
-            </a:r>
-            <a:endParaRPr b="0" lang="en-US" sz="6000" spc="-1" strike="noStrike">
-              <a:latin typeface="Arial"/>
-            </a:endParaRPr>
-          </a:p>
-        </p:txBody>
-      </p:sp>
+      </p:pic>
     </p:spTree>
   </p:cSld>
   <mc:AlternateContent>
@@ -3358,7 +3327,7 @@
         <p:spPr>
           <a:xfrm>
             <a:off x="838080" y="365040"/>
-            <a:ext cx="10514520" cy="1324440"/>
+            <a:ext cx="1263960" cy="1188360"/>
           </a:xfrm>
           <a:prstGeom prst="rect">
             <a:avLst/>
@@ -3375,26 +3344,26 @@
           <a:fontRef idx="minor"/>
         </p:style>
         <p:txBody>
-          <a:bodyPr lIns="90000" rIns="90000" tIns="45000" bIns="45000" anchor="ctr">
+          <a:bodyPr lIns="0" rIns="0" tIns="0" bIns="0" anchor="ctr">
             <a:noAutofit/>
           </a:bodyPr>
           <a:p>
             <a:pPr>
               <a:lnSpc>
-                <a:spcPct val="90000"/>
+                <a:spcPct val="100000"/>
               </a:lnSpc>
             </a:pPr>
             <a:r>
-              <a:rPr b="0" lang="sv-SE" sz="4400" spc="-1" strike="noStrike">
+              <a:rPr b="0" lang="sv-SE" sz="1800" spc="-1" strike="noStrike">
                 <a:solidFill>
                   <a:srgbClr val="000000"/>
                 </a:solidFill>
-                <a:latin typeface="Calibri Light"/>
+                <a:latin typeface="Calibri"/>
                 <a:ea typeface="DejaVu Sans"/>
               </a:rPr>
-              <a:t>Definition</a:t>
-            </a:r>
-            <a:endParaRPr b="0" lang="en-US" sz="4400" spc="-1" strike="noStrike">
+              <a:t>Server</a:t>
+            </a:r>
+            <a:endParaRPr b="0" lang="en-US" sz="1800" spc="-1" strike="noStrike">
               <a:latin typeface="Arial"/>
             </a:endParaRPr>
           </a:p>
@@ -3408,8 +3377,8 @@
         </p:nvSpPr>
         <p:spPr>
           <a:xfrm>
-            <a:off x="838080" y="1825560"/>
-            <a:ext cx="10514520" cy="4350240"/>
+            <a:off x="731520" y="1188720"/>
+            <a:ext cx="10514160" cy="4349880"/>
           </a:xfrm>
           <a:prstGeom prst="rect">
             <a:avLst/>
@@ -3432,23 +3401,653 @@
           <a:p>
             <a:pPr>
               <a:lnSpc>
-                <a:spcPct val="90000"/>
+                <a:spcPct val="100000"/>
               </a:lnSpc>
-              <a:spcBef>
-                <a:spcPts val="1001"/>
-              </a:spcBef>
             </a:pPr>
             <a:r>
-              <a:rPr b="0" i="1" lang="en-US" sz="1800" spc="-1" strike="noStrike">
-                <a:solidFill>
-                  <a:srgbClr val="000000"/>
-                </a:solidFill>
-                <a:latin typeface="Calibri"/>
-                <a:ea typeface="DejaVu Sans"/>
-              </a:rPr>
-              <a:t>Zuul is an edge service that proxies requests to multiple backing services. It provides a unified “front door” to your system, which allows a browser, mobile app, or other user interface to consume services from multiple hosts without managing cross-origin resource sharing (CORS) and authentication for each one</a:t>
-            </a:r>
-            <a:endParaRPr b="0" lang="en-US" sz="1800" spc="-1" strike="noStrike">
+              <a:rPr b="0" lang="en-US" sz="1000" spc="-1" strike="noStrike">
+                <a:solidFill>
+                  <a:srgbClr val="080808"/>
+                </a:solidFill>
+                <a:latin typeface="JetBrains Mono"/>
+                <a:ea typeface="JetBrains Mono"/>
+              </a:rPr>
+              <a:t>&lt;</a:t>
+            </a:r>
+            <a:r>
+              <a:rPr b="0" lang="en-US" sz="1000" spc="-1" strike="noStrike">
+                <a:solidFill>
+                  <a:srgbClr val="0033b3"/>
+                </a:solidFill>
+                <a:latin typeface="JetBrains Mono"/>
+                <a:ea typeface="JetBrains Mono"/>
+              </a:rPr>
+              <a:t>dependency</a:t>
+            </a:r>
+            <a:r>
+              <a:rPr b="0" lang="en-US" sz="1000" spc="-1" strike="noStrike">
+                <a:solidFill>
+                  <a:srgbClr val="080808"/>
+                </a:solidFill>
+                <a:latin typeface="JetBrains Mono"/>
+                <a:ea typeface="JetBrains Mono"/>
+              </a:rPr>
+              <a:t>&gt;</a:t>
+            </a:r>
+            <a:br/>
+            <a:r>
+              <a:rPr b="0" lang="en-US" sz="1000" spc="-1" strike="noStrike">
+                <a:solidFill>
+                  <a:srgbClr val="080808"/>
+                </a:solidFill>
+                <a:latin typeface="JetBrains Mono"/>
+                <a:ea typeface="JetBrains Mono"/>
+              </a:rPr>
+              <a:t>	</a:t>
+            </a:r>
+            <a:r>
+              <a:rPr b="0" lang="en-US" sz="1000" spc="-1" strike="noStrike">
+                <a:solidFill>
+                  <a:srgbClr val="080808"/>
+                </a:solidFill>
+                <a:latin typeface="JetBrains Mono"/>
+                <a:ea typeface="JetBrains Mono"/>
+              </a:rPr>
+              <a:t>&lt;</a:t>
+            </a:r>
+            <a:r>
+              <a:rPr b="0" lang="en-US" sz="1000" spc="-1" strike="noStrike">
+                <a:solidFill>
+                  <a:srgbClr val="0033b3"/>
+                </a:solidFill>
+                <a:latin typeface="JetBrains Mono"/>
+                <a:ea typeface="JetBrains Mono"/>
+              </a:rPr>
+              <a:t>groupId</a:t>
+            </a:r>
+            <a:r>
+              <a:rPr b="0" lang="en-US" sz="1000" spc="-1" strike="noStrike">
+                <a:solidFill>
+                  <a:srgbClr val="080808"/>
+                </a:solidFill>
+                <a:latin typeface="JetBrains Mono"/>
+                <a:ea typeface="JetBrains Mono"/>
+              </a:rPr>
+              <a:t>&gt;org.springframework.cloud&lt;/</a:t>
+            </a:r>
+            <a:r>
+              <a:rPr b="0" lang="en-US" sz="1000" spc="-1" strike="noStrike">
+                <a:solidFill>
+                  <a:srgbClr val="0033b3"/>
+                </a:solidFill>
+                <a:latin typeface="JetBrains Mono"/>
+                <a:ea typeface="JetBrains Mono"/>
+              </a:rPr>
+              <a:t>groupId</a:t>
+            </a:r>
+            <a:r>
+              <a:rPr b="0" lang="en-US" sz="1000" spc="-1" strike="noStrike">
+                <a:solidFill>
+                  <a:srgbClr val="080808"/>
+                </a:solidFill>
+                <a:latin typeface="JetBrains Mono"/>
+                <a:ea typeface="JetBrains Mono"/>
+              </a:rPr>
+              <a:t>&gt;</a:t>
+            </a:r>
+            <a:br/>
+            <a:r>
+              <a:rPr b="0" lang="en-US" sz="1000" spc="-1" strike="noStrike">
+                <a:solidFill>
+                  <a:srgbClr val="080808"/>
+                </a:solidFill>
+                <a:latin typeface="JetBrains Mono"/>
+                <a:ea typeface="JetBrains Mono"/>
+              </a:rPr>
+              <a:t>	</a:t>
+            </a:r>
+            <a:r>
+              <a:rPr b="0" lang="en-US" sz="1000" spc="-1" strike="noStrike">
+                <a:solidFill>
+                  <a:srgbClr val="080808"/>
+                </a:solidFill>
+                <a:latin typeface="JetBrains Mono"/>
+                <a:ea typeface="JetBrains Mono"/>
+              </a:rPr>
+              <a:t>&lt;</a:t>
+            </a:r>
+            <a:r>
+              <a:rPr b="0" lang="en-US" sz="1000" spc="-1" strike="noStrike">
+                <a:solidFill>
+                  <a:srgbClr val="0033b3"/>
+                </a:solidFill>
+                <a:latin typeface="JetBrains Mono"/>
+                <a:ea typeface="JetBrains Mono"/>
+              </a:rPr>
+              <a:t>artifactId</a:t>
+            </a:r>
+            <a:r>
+              <a:rPr b="0" lang="en-US" sz="1000" spc="-1" strike="noStrike">
+                <a:solidFill>
+                  <a:srgbClr val="080808"/>
+                </a:solidFill>
+                <a:latin typeface="JetBrains Mono"/>
+                <a:ea typeface="JetBrains Mono"/>
+              </a:rPr>
+              <a:t>&gt;spring-cloud-starter-netflix-zuul&lt;/</a:t>
+            </a:r>
+            <a:r>
+              <a:rPr b="0" lang="en-US" sz="1000" spc="-1" strike="noStrike">
+                <a:solidFill>
+                  <a:srgbClr val="0033b3"/>
+                </a:solidFill>
+                <a:latin typeface="JetBrains Mono"/>
+                <a:ea typeface="JetBrains Mono"/>
+              </a:rPr>
+              <a:t>artifactId</a:t>
+            </a:r>
+            <a:r>
+              <a:rPr b="0" lang="en-US" sz="1000" spc="-1" strike="noStrike">
+                <a:solidFill>
+                  <a:srgbClr val="080808"/>
+                </a:solidFill>
+                <a:latin typeface="JetBrains Mono"/>
+                <a:ea typeface="JetBrains Mono"/>
+              </a:rPr>
+              <a:t>&gt;</a:t>
+            </a:r>
+            <a:br/>
+            <a:r>
+              <a:rPr b="0" lang="en-US" sz="1000" spc="-1" strike="noStrike">
+                <a:solidFill>
+                  <a:srgbClr val="080808"/>
+                </a:solidFill>
+                <a:latin typeface="JetBrains Mono"/>
+                <a:ea typeface="JetBrains Mono"/>
+              </a:rPr>
+              <a:t>&lt;/</a:t>
+            </a:r>
+            <a:r>
+              <a:rPr b="0" lang="en-US" sz="1000" spc="-1" strike="noStrike">
+                <a:solidFill>
+                  <a:srgbClr val="0033b3"/>
+                </a:solidFill>
+                <a:latin typeface="JetBrains Mono"/>
+                <a:ea typeface="JetBrains Mono"/>
+              </a:rPr>
+              <a:t>dependency</a:t>
+            </a:r>
+            <a:r>
+              <a:rPr b="0" lang="en-US" sz="1000" spc="-1" strike="noStrike">
+                <a:solidFill>
+                  <a:srgbClr val="080808"/>
+                </a:solidFill>
+                <a:latin typeface="JetBrains Mono"/>
+                <a:ea typeface="JetBrains Mono"/>
+              </a:rPr>
+              <a:t>&gt;</a:t>
+            </a:r>
+            <a:endParaRPr b="0" lang="en-US" sz="1000" spc="-1" strike="noStrike">
+              <a:latin typeface="Arial"/>
+            </a:endParaRPr>
+          </a:p>
+          <a:p>
+            <a:pPr>
+              <a:lnSpc>
+                <a:spcPct val="100000"/>
+              </a:lnSpc>
+            </a:pPr>
+            <a:endParaRPr b="0" lang="en-US" sz="1000" spc="-1" strike="noStrike">
+              <a:latin typeface="Arial"/>
+            </a:endParaRPr>
+          </a:p>
+          <a:p>
+            <a:pPr>
+              <a:lnSpc>
+                <a:spcPct val="100000"/>
+              </a:lnSpc>
+            </a:pPr>
+            <a:endParaRPr b="0" lang="en-US" sz="1000" spc="-1" strike="noStrike">
+              <a:latin typeface="Arial"/>
+            </a:endParaRPr>
+          </a:p>
+          <a:p>
+            <a:pPr>
+              <a:lnSpc>
+                <a:spcPct val="100000"/>
+              </a:lnSpc>
+            </a:pPr>
+            <a:r>
+              <a:rPr b="0" lang="sv-SE" sz="1000" spc="-1" strike="noStrike">
+                <a:solidFill>
+                  <a:srgbClr val="080808"/>
+                </a:solidFill>
+                <a:latin typeface="JetBrains Mono"/>
+                <a:ea typeface="JetBrains Mono"/>
+              </a:rPr>
+              <a:t>@SpringBootApplication</a:t>
+            </a:r>
+            <a:br/>
+            <a:r>
+              <a:rPr b="0" lang="sv-SE" sz="1000" spc="-1" strike="noStrike">
+                <a:solidFill>
+                  <a:srgbClr val="080808"/>
+                </a:solidFill>
+                <a:latin typeface="JetBrains Mono"/>
+                <a:ea typeface="JetBrains Mono"/>
+              </a:rPr>
+              <a:t>@EnableZuulProxy</a:t>
+            </a:r>
+            <a:br/>
+            <a:r>
+              <a:rPr b="0" lang="sv-SE" sz="1000" spc="-1" strike="noStrike">
+                <a:solidFill>
+                  <a:srgbClr val="0033b3"/>
+                </a:solidFill>
+                <a:latin typeface="JetBrains Mono"/>
+                <a:ea typeface="JetBrains Mono"/>
+              </a:rPr>
+              <a:t>public class </a:t>
+            </a:r>
+            <a:r>
+              <a:rPr b="0" lang="sv-SE" sz="1000" spc="-1" strike="noStrike">
+                <a:solidFill>
+                  <a:srgbClr val="080808"/>
+                </a:solidFill>
+                <a:latin typeface="JetBrains Mono"/>
+                <a:ea typeface="JetBrains Mono"/>
+              </a:rPr>
+              <a:t>ZuulApplication {</a:t>
+            </a:r>
+            <a:br/>
+            <a:br/>
+            <a:r>
+              <a:rPr b="0" lang="sv-SE" sz="1000" spc="-1" strike="noStrike">
+                <a:solidFill>
+                  <a:srgbClr val="080808"/>
+                </a:solidFill>
+                <a:latin typeface="JetBrains Mono"/>
+                <a:ea typeface="JetBrains Mono"/>
+              </a:rPr>
+              <a:t>    </a:t>
+            </a:r>
+            <a:r>
+              <a:rPr b="0" lang="sv-SE" sz="1000" spc="-1" strike="noStrike">
+                <a:solidFill>
+                  <a:srgbClr val="0033b3"/>
+                </a:solidFill>
+                <a:latin typeface="JetBrains Mono"/>
+                <a:ea typeface="JetBrains Mono"/>
+              </a:rPr>
+              <a:t>public static void </a:t>
+            </a:r>
+            <a:r>
+              <a:rPr b="0" lang="sv-SE" sz="1000" spc="-1" strike="noStrike">
+                <a:solidFill>
+                  <a:srgbClr val="080808"/>
+                </a:solidFill>
+                <a:latin typeface="JetBrains Mono"/>
+                <a:ea typeface="JetBrains Mono"/>
+              </a:rPr>
+              <a:t>main(String[] args) {</a:t>
+            </a:r>
+            <a:br/>
+            <a:r>
+              <a:rPr b="0" lang="sv-SE" sz="1000" spc="-1" strike="noStrike">
+                <a:solidFill>
+                  <a:srgbClr val="080808"/>
+                </a:solidFill>
+                <a:latin typeface="JetBrains Mono"/>
+                <a:ea typeface="JetBrains Mono"/>
+              </a:rPr>
+              <a:t>        SpringApplication.run(ZuulApplication.</a:t>
+            </a:r>
+            <a:r>
+              <a:rPr b="0" lang="sv-SE" sz="1000" spc="-1" strike="noStrike">
+                <a:solidFill>
+                  <a:srgbClr val="0033b3"/>
+                </a:solidFill>
+                <a:latin typeface="JetBrains Mono"/>
+                <a:ea typeface="JetBrains Mono"/>
+              </a:rPr>
+              <a:t>class</a:t>
+            </a:r>
+            <a:r>
+              <a:rPr b="0" lang="sv-SE" sz="1000" spc="-1" strike="noStrike">
+                <a:solidFill>
+                  <a:srgbClr val="080808"/>
+                </a:solidFill>
+                <a:latin typeface="JetBrains Mono"/>
+                <a:ea typeface="JetBrains Mono"/>
+              </a:rPr>
+              <a:t>, args);</a:t>
+            </a:r>
+            <a:br/>
+            <a:r>
+              <a:rPr b="0" lang="sv-SE" sz="1000" spc="-1" strike="noStrike">
+                <a:solidFill>
+                  <a:srgbClr val="080808"/>
+                </a:solidFill>
+                <a:latin typeface="JetBrains Mono"/>
+                <a:ea typeface="JetBrains Mono"/>
+              </a:rPr>
+              <a:t>    }</a:t>
+            </a:r>
+            <a:br/>
+            <a:r>
+              <a:rPr b="0" lang="sv-SE" sz="1000" spc="-1" strike="noStrike">
+                <a:solidFill>
+                  <a:srgbClr val="080808"/>
+                </a:solidFill>
+                <a:latin typeface="JetBrains Mono"/>
+                <a:ea typeface="JetBrains Mono"/>
+              </a:rPr>
+              <a:t>}</a:t>
+            </a:r>
+            <a:br/>
+            <a:endParaRPr b="0" lang="en-US" sz="1000" spc="-1" strike="noStrike">
+              <a:latin typeface="Arial"/>
+            </a:endParaRPr>
+          </a:p>
+          <a:p>
+            <a:pPr>
+              <a:lnSpc>
+                <a:spcPct val="100000"/>
+              </a:lnSpc>
+            </a:pPr>
+            <a:endParaRPr b="0" lang="en-US" sz="1000" spc="-1" strike="noStrike">
+              <a:latin typeface="Arial"/>
+            </a:endParaRPr>
+          </a:p>
+          <a:p>
+            <a:pPr>
+              <a:lnSpc>
+                <a:spcPct val="100000"/>
+              </a:lnSpc>
+            </a:pPr>
+            <a:r>
+              <a:rPr b="0" lang="en-US" sz="1000" spc="-1" strike="noStrike">
+                <a:solidFill>
+                  <a:srgbClr val="0033b3"/>
+                </a:solidFill>
+                <a:latin typeface="JetBrains Mono"/>
+                <a:ea typeface="JetBrains Mono"/>
+              </a:rPr>
+              <a:t>zuul</a:t>
+            </a:r>
+            <a:r>
+              <a:rPr b="0" lang="en-US" sz="1000" spc="-1" strike="noStrike">
+                <a:solidFill>
+                  <a:srgbClr val="080808"/>
+                </a:solidFill>
+                <a:latin typeface="JetBrains Mono"/>
+                <a:ea typeface="JetBrains Mono"/>
+              </a:rPr>
+              <a:t>:</a:t>
+            </a:r>
+            <a:br/>
+            <a:r>
+              <a:rPr b="0" lang="en-US" sz="1000" spc="-1" strike="noStrike">
+                <a:solidFill>
+                  <a:srgbClr val="080808"/>
+                </a:solidFill>
+                <a:latin typeface="JetBrains Mono"/>
+                <a:ea typeface="JetBrains Mono"/>
+              </a:rPr>
+              <a:t>  </a:t>
+            </a:r>
+            <a:r>
+              <a:rPr b="0" lang="en-US" sz="1000" spc="-1" strike="noStrike">
+                <a:solidFill>
+                  <a:srgbClr val="0033b3"/>
+                </a:solidFill>
+                <a:latin typeface="JetBrains Mono"/>
+                <a:ea typeface="JetBrains Mono"/>
+              </a:rPr>
+              <a:t>host</a:t>
+            </a:r>
+            <a:r>
+              <a:rPr b="0" lang="en-US" sz="1000" spc="-1" strike="noStrike">
+                <a:solidFill>
+                  <a:srgbClr val="080808"/>
+                </a:solidFill>
+                <a:latin typeface="JetBrains Mono"/>
+                <a:ea typeface="JetBrains Mono"/>
+              </a:rPr>
+              <a:t>:</a:t>
+            </a:r>
+            <a:br/>
+            <a:r>
+              <a:rPr b="0" lang="en-US" sz="1000" spc="-1" strike="noStrike">
+                <a:solidFill>
+                  <a:srgbClr val="080808"/>
+                </a:solidFill>
+                <a:latin typeface="JetBrains Mono"/>
+                <a:ea typeface="JetBrains Mono"/>
+              </a:rPr>
+              <a:t>    </a:t>
+            </a:r>
+            <a:r>
+              <a:rPr b="0" lang="en-US" sz="1000" spc="-1" strike="noStrike">
+                <a:solidFill>
+                  <a:srgbClr val="0033b3"/>
+                </a:solidFill>
+                <a:latin typeface="JetBrains Mono"/>
+                <a:ea typeface="JetBrains Mono"/>
+              </a:rPr>
+              <a:t>connect-timeout-millis</a:t>
+            </a:r>
+            <a:r>
+              <a:rPr b="0" lang="en-US" sz="1000" spc="-1" strike="noStrike">
+                <a:solidFill>
+                  <a:srgbClr val="080808"/>
+                </a:solidFill>
+                <a:latin typeface="JetBrains Mono"/>
+                <a:ea typeface="JetBrains Mono"/>
+              </a:rPr>
+              <a:t>: 10000</a:t>
+            </a:r>
+            <a:br/>
+            <a:r>
+              <a:rPr b="0" lang="en-US" sz="1000" spc="-1" strike="noStrike">
+                <a:solidFill>
+                  <a:srgbClr val="080808"/>
+                </a:solidFill>
+                <a:latin typeface="JetBrains Mono"/>
+                <a:ea typeface="JetBrains Mono"/>
+              </a:rPr>
+              <a:t>    </a:t>
+            </a:r>
+            <a:r>
+              <a:rPr b="0" lang="en-US" sz="1000" spc="-1" strike="noStrike">
+                <a:solidFill>
+                  <a:srgbClr val="0033b3"/>
+                </a:solidFill>
+                <a:latin typeface="JetBrains Mono"/>
+                <a:ea typeface="JetBrains Mono"/>
+              </a:rPr>
+              <a:t>socket-timeout-millis</a:t>
+            </a:r>
+            <a:r>
+              <a:rPr b="0" lang="en-US" sz="1000" spc="-1" strike="noStrike">
+                <a:solidFill>
+                  <a:srgbClr val="080808"/>
+                </a:solidFill>
+                <a:latin typeface="JetBrains Mono"/>
+                <a:ea typeface="JetBrains Mono"/>
+              </a:rPr>
+              <a:t>: 60000</a:t>
+            </a:r>
+            <a:br/>
+            <a:br/>
+            <a:r>
+              <a:rPr b="0" lang="en-US" sz="1000" spc="-1" strike="noStrike">
+                <a:solidFill>
+                  <a:srgbClr val="0033b3"/>
+                </a:solidFill>
+                <a:latin typeface="JetBrains Mono"/>
+                <a:ea typeface="JetBrains Mono"/>
+              </a:rPr>
+              <a:t>eureka</a:t>
+            </a:r>
+            <a:r>
+              <a:rPr b="0" lang="en-US" sz="1000" spc="-1" strike="noStrike">
+                <a:solidFill>
+                  <a:srgbClr val="080808"/>
+                </a:solidFill>
+                <a:latin typeface="JetBrains Mono"/>
+                <a:ea typeface="JetBrains Mono"/>
+              </a:rPr>
+              <a:t>:</a:t>
+            </a:r>
+            <a:br/>
+            <a:r>
+              <a:rPr b="0" lang="en-US" sz="1000" spc="-1" strike="noStrike">
+                <a:solidFill>
+                  <a:srgbClr val="080808"/>
+                </a:solidFill>
+                <a:latin typeface="JetBrains Mono"/>
+                <a:ea typeface="JetBrains Mono"/>
+              </a:rPr>
+              <a:t>  </a:t>
+            </a:r>
+            <a:r>
+              <a:rPr b="0" lang="en-US" sz="1000" spc="-1" strike="noStrike">
+                <a:solidFill>
+                  <a:srgbClr val="0033b3"/>
+                </a:solidFill>
+                <a:latin typeface="JetBrains Mono"/>
+                <a:ea typeface="JetBrains Mono"/>
+              </a:rPr>
+              <a:t>client</a:t>
+            </a:r>
+            <a:r>
+              <a:rPr b="0" lang="en-US" sz="1000" spc="-1" strike="noStrike">
+                <a:solidFill>
+                  <a:srgbClr val="080808"/>
+                </a:solidFill>
+                <a:latin typeface="JetBrains Mono"/>
+                <a:ea typeface="JetBrains Mono"/>
+              </a:rPr>
+              <a:t>:</a:t>
+            </a:r>
+            <a:br/>
+            <a:r>
+              <a:rPr b="0" lang="en-US" sz="1000" spc="-1" strike="noStrike">
+                <a:solidFill>
+                  <a:srgbClr val="080808"/>
+                </a:solidFill>
+                <a:latin typeface="JetBrains Mono"/>
+                <a:ea typeface="JetBrains Mono"/>
+              </a:rPr>
+              <a:t>    </a:t>
+            </a:r>
+            <a:r>
+              <a:rPr b="0" lang="en-US" sz="1000" spc="-1" strike="noStrike">
+                <a:solidFill>
+                  <a:srgbClr val="0033b3"/>
+                </a:solidFill>
+                <a:latin typeface="JetBrains Mono"/>
+                <a:ea typeface="JetBrains Mono"/>
+              </a:rPr>
+              <a:t>serviceUrl</a:t>
+            </a:r>
+            <a:r>
+              <a:rPr b="0" lang="en-US" sz="1000" spc="-1" strike="noStrike">
+                <a:solidFill>
+                  <a:srgbClr val="080808"/>
+                </a:solidFill>
+                <a:latin typeface="JetBrains Mono"/>
+                <a:ea typeface="JetBrains Mono"/>
+              </a:rPr>
+              <a:t>:</a:t>
+            </a:r>
+            <a:br/>
+            <a:r>
+              <a:rPr b="0" lang="en-US" sz="1000" spc="-1" strike="noStrike">
+                <a:solidFill>
+                  <a:srgbClr val="080808"/>
+                </a:solidFill>
+                <a:latin typeface="JetBrains Mono"/>
+                <a:ea typeface="JetBrains Mono"/>
+              </a:rPr>
+              <a:t>      </a:t>
+            </a:r>
+            <a:r>
+              <a:rPr b="0" lang="en-US" sz="1000" spc="-1" strike="noStrike">
+                <a:solidFill>
+                  <a:srgbClr val="0033b3"/>
+                </a:solidFill>
+                <a:latin typeface="JetBrains Mono"/>
+                <a:ea typeface="JetBrains Mono"/>
+              </a:rPr>
+              <a:t>defaultZone</a:t>
+            </a:r>
+            <a:r>
+              <a:rPr b="0" lang="en-US" sz="1000" spc="-1" strike="noStrike">
+                <a:solidFill>
+                  <a:srgbClr val="080808"/>
+                </a:solidFill>
+                <a:latin typeface="JetBrains Mono"/>
+                <a:ea typeface="JetBrains Mono"/>
+              </a:rPr>
+              <a:t>: http://localhost:8761/eureka/</a:t>
+            </a:r>
+            <a:br/>
+            <a:br/>
+            <a:r>
+              <a:rPr b="0" lang="en-US" sz="1000" spc="-1" strike="noStrike">
+                <a:solidFill>
+                  <a:srgbClr val="0033b3"/>
+                </a:solidFill>
+                <a:latin typeface="JetBrains Mono"/>
+                <a:ea typeface="JetBrains Mono"/>
+              </a:rPr>
+              <a:t>server</a:t>
+            </a:r>
+            <a:r>
+              <a:rPr b="0" lang="en-US" sz="1000" spc="-1" strike="noStrike">
+                <a:solidFill>
+                  <a:srgbClr val="080808"/>
+                </a:solidFill>
+                <a:latin typeface="JetBrains Mono"/>
+                <a:ea typeface="JetBrains Mono"/>
+              </a:rPr>
+              <a:t>:</a:t>
+            </a:r>
+            <a:br/>
+            <a:r>
+              <a:rPr b="0" lang="en-US" sz="1000" spc="-1" strike="noStrike">
+                <a:solidFill>
+                  <a:srgbClr val="080808"/>
+                </a:solidFill>
+                <a:latin typeface="JetBrains Mono"/>
+                <a:ea typeface="JetBrains Mono"/>
+              </a:rPr>
+              <a:t>  </a:t>
+            </a:r>
+            <a:r>
+              <a:rPr b="0" lang="en-US" sz="1000" spc="-1" strike="noStrike">
+                <a:solidFill>
+                  <a:srgbClr val="0033b3"/>
+                </a:solidFill>
+                <a:latin typeface="JetBrains Mono"/>
+                <a:ea typeface="JetBrains Mono"/>
+              </a:rPr>
+              <a:t>port</a:t>
+            </a:r>
+            <a:r>
+              <a:rPr b="0" lang="en-US" sz="1000" spc="-1" strike="noStrike">
+                <a:solidFill>
+                  <a:srgbClr val="080808"/>
+                </a:solidFill>
+                <a:latin typeface="JetBrains Mono"/>
+                <a:ea typeface="JetBrains Mono"/>
+              </a:rPr>
+              <a:t>: 8050</a:t>
+            </a:r>
+            <a:br/>
+            <a:endParaRPr b="0" lang="en-US" sz="1000" spc="-1" strike="noStrike">
               <a:latin typeface="Arial"/>
             </a:endParaRPr>
           </a:p>
@@ -3496,8 +4095,8 @@
         </p:blipFill>
         <p:spPr>
           <a:xfrm>
-            <a:off x="2932200" y="1429200"/>
-            <a:ext cx="4656960" cy="2685240"/>
+            <a:off x="28080" y="66600"/>
+            <a:ext cx="12191040" cy="6757920"/>
           </a:xfrm>
           <a:prstGeom prst="rect">
             <a:avLst/>
@@ -3537,771 +4136,52 @@
           <a:chExt cx="0" cy="0"/>
         </a:xfrm>
       </p:grpSpPr>
-      <p:sp>
-        <p:nvSpPr>
-          <p:cNvPr id="80" name="CustomShape 1"/>
-          <p:cNvSpPr/>
+      <p:pic>
+        <p:nvPicPr>
+          <p:cNvPr id="80" name="" descr=""/>
+          <p:cNvPicPr/>
           <p:nvPr/>
-        </p:nvSpPr>
-        <p:spPr>
-          <a:xfrm>
-            <a:off x="838080" y="365040"/>
-            <a:ext cx="1264320" cy="1188720"/>
-          </a:xfrm>
-          <a:prstGeom prst="rect">
-            <a:avLst/>
-          </a:prstGeom>
-          <a:noFill/>
+        </p:nvPicPr>
+        <p:blipFill>
+          <a:blip r:embed="rId1"/>
+          <a:stretch/>
+        </p:blipFill>
+        <p:spPr>
+          <a:xfrm>
+            <a:off x="640080" y="461880"/>
+            <a:ext cx="5266080" cy="1141920"/>
+          </a:xfrm>
+          <a:prstGeom prst="rect">
+            <a:avLst/>
+          </a:prstGeom>
           <a:ln>
             <a:noFill/>
           </a:ln>
         </p:spPr>
-        <p:style>
-          <a:lnRef idx="0"/>
-          <a:fillRef idx="0"/>
-          <a:effectRef idx="0"/>
-          <a:fontRef idx="minor"/>
-        </p:style>
-        <p:txBody>
-          <a:bodyPr lIns="0" rIns="0" tIns="0" bIns="0" anchor="ctr">
-            <a:noAutofit/>
-          </a:bodyPr>
-          <a:p>
-            <a:pPr>
-              <a:lnSpc>
-                <a:spcPct val="100000"/>
-              </a:lnSpc>
-            </a:pPr>
-            <a:r>
-              <a:rPr b="0" lang="sv-SE" sz="1800" spc="-1" strike="noStrike">
-                <a:solidFill>
-                  <a:srgbClr val="000000"/>
-                </a:solidFill>
-                <a:latin typeface="Calibri"/>
-                <a:ea typeface="DejaVu Sans"/>
-              </a:rPr>
-              <a:t>Server</a:t>
-            </a:r>
-            <a:endParaRPr b="0" lang="en-US" sz="1800" spc="-1" strike="noStrike">
-              <a:latin typeface="Arial"/>
-            </a:endParaRPr>
-          </a:p>
-        </p:txBody>
-      </p:sp>
-      <p:sp>
-        <p:nvSpPr>
-          <p:cNvPr id="81" name="CustomShape 2"/>
-          <p:cNvSpPr/>
+      </p:pic>
+      <p:pic>
+        <p:nvPicPr>
+          <p:cNvPr id="81" name="" descr=""/>
+          <p:cNvPicPr/>
           <p:nvPr/>
-        </p:nvSpPr>
-        <p:spPr>
-          <a:xfrm>
-            <a:off x="731520" y="1188720"/>
-            <a:ext cx="10514520" cy="4350240"/>
-          </a:xfrm>
-          <a:prstGeom prst="rect">
-            <a:avLst/>
-          </a:prstGeom>
-          <a:noFill/>
+        </p:nvPicPr>
+        <p:blipFill>
+          <a:blip r:embed="rId2"/>
+          <a:stretch/>
+        </p:blipFill>
+        <p:spPr>
+          <a:xfrm>
+            <a:off x="718560" y="1737360"/>
+            <a:ext cx="6047280" cy="1503720"/>
+          </a:xfrm>
+          <a:prstGeom prst="rect">
+            <a:avLst/>
+          </a:prstGeom>
           <a:ln>
             <a:noFill/>
           </a:ln>
         </p:spPr>
-        <p:style>
-          <a:lnRef idx="0"/>
-          <a:fillRef idx="0"/>
-          <a:effectRef idx="0"/>
-          <a:fontRef idx="minor"/>
-        </p:style>
-        <p:txBody>
-          <a:bodyPr lIns="90000" rIns="90000" tIns="45000" bIns="45000">
-            <a:noAutofit/>
-          </a:bodyPr>
-          <a:p>
-            <a:pPr>
-              <a:lnSpc>
-                <a:spcPct val="100000"/>
-              </a:lnSpc>
-            </a:pPr>
-            <a:r>
-              <a:rPr b="0" lang="en-US" sz="1000" spc="-1" strike="noStrike">
-                <a:solidFill>
-                  <a:srgbClr val="080808"/>
-                </a:solidFill>
-                <a:latin typeface="JetBrains Mono"/>
-                <a:ea typeface="JetBrains Mono"/>
-              </a:rPr>
-              <a:t>&lt;</a:t>
-            </a:r>
-            <a:r>
-              <a:rPr b="0" lang="en-US" sz="1000" spc="-1" strike="noStrike">
-                <a:solidFill>
-                  <a:srgbClr val="0033b3"/>
-                </a:solidFill>
-                <a:latin typeface="JetBrains Mono"/>
-                <a:ea typeface="JetBrains Mono"/>
-              </a:rPr>
-              <a:t>dependency</a:t>
-            </a:r>
-            <a:r>
-              <a:rPr b="0" lang="en-US" sz="1000" spc="-1" strike="noStrike">
-                <a:solidFill>
-                  <a:srgbClr val="080808"/>
-                </a:solidFill>
-                <a:latin typeface="JetBrains Mono"/>
-                <a:ea typeface="JetBrains Mono"/>
-              </a:rPr>
-              <a:t>&gt;</a:t>
-            </a:r>
-            <a:br/>
-            <a:r>
-              <a:rPr b="0" lang="en-US" sz="1000" spc="-1" strike="noStrike">
-                <a:solidFill>
-                  <a:srgbClr val="080808"/>
-                </a:solidFill>
-                <a:latin typeface="JetBrains Mono"/>
-                <a:ea typeface="JetBrains Mono"/>
-              </a:rPr>
-              <a:t>	</a:t>
-            </a:r>
-            <a:r>
-              <a:rPr b="0" lang="en-US" sz="1000" spc="-1" strike="noStrike">
-                <a:solidFill>
-                  <a:srgbClr val="080808"/>
-                </a:solidFill>
-                <a:latin typeface="JetBrains Mono"/>
-                <a:ea typeface="JetBrains Mono"/>
-              </a:rPr>
-              <a:t>&lt;</a:t>
-            </a:r>
-            <a:r>
-              <a:rPr b="0" lang="en-US" sz="1000" spc="-1" strike="noStrike">
-                <a:solidFill>
-                  <a:srgbClr val="0033b3"/>
-                </a:solidFill>
-                <a:latin typeface="JetBrains Mono"/>
-                <a:ea typeface="JetBrains Mono"/>
-              </a:rPr>
-              <a:t>groupId</a:t>
-            </a:r>
-            <a:r>
-              <a:rPr b="0" lang="en-US" sz="1000" spc="-1" strike="noStrike">
-                <a:solidFill>
-                  <a:srgbClr val="080808"/>
-                </a:solidFill>
-                <a:latin typeface="JetBrains Mono"/>
-                <a:ea typeface="JetBrains Mono"/>
-              </a:rPr>
-              <a:t>&gt;org.springframework.cloud&lt;/</a:t>
-            </a:r>
-            <a:r>
-              <a:rPr b="0" lang="en-US" sz="1000" spc="-1" strike="noStrike">
-                <a:solidFill>
-                  <a:srgbClr val="0033b3"/>
-                </a:solidFill>
-                <a:latin typeface="JetBrains Mono"/>
-                <a:ea typeface="JetBrains Mono"/>
-              </a:rPr>
-              <a:t>groupId</a:t>
-            </a:r>
-            <a:r>
-              <a:rPr b="0" lang="en-US" sz="1000" spc="-1" strike="noStrike">
-                <a:solidFill>
-                  <a:srgbClr val="080808"/>
-                </a:solidFill>
-                <a:latin typeface="JetBrains Mono"/>
-                <a:ea typeface="JetBrains Mono"/>
-              </a:rPr>
-              <a:t>&gt;</a:t>
-            </a:r>
-            <a:br/>
-            <a:r>
-              <a:rPr b="0" lang="en-US" sz="1000" spc="-1" strike="noStrike">
-                <a:solidFill>
-                  <a:srgbClr val="080808"/>
-                </a:solidFill>
-                <a:latin typeface="JetBrains Mono"/>
-                <a:ea typeface="JetBrains Mono"/>
-              </a:rPr>
-              <a:t>	</a:t>
-            </a:r>
-            <a:r>
-              <a:rPr b="0" lang="en-US" sz="1000" spc="-1" strike="noStrike">
-                <a:solidFill>
-                  <a:srgbClr val="080808"/>
-                </a:solidFill>
-                <a:latin typeface="JetBrains Mono"/>
-                <a:ea typeface="JetBrains Mono"/>
-              </a:rPr>
-              <a:t>&lt;</a:t>
-            </a:r>
-            <a:r>
-              <a:rPr b="0" lang="en-US" sz="1000" spc="-1" strike="noStrike">
-                <a:solidFill>
-                  <a:srgbClr val="0033b3"/>
-                </a:solidFill>
-                <a:latin typeface="JetBrains Mono"/>
-                <a:ea typeface="JetBrains Mono"/>
-              </a:rPr>
-              <a:t>artifactId</a:t>
-            </a:r>
-            <a:r>
-              <a:rPr b="0" lang="en-US" sz="1000" spc="-1" strike="noStrike">
-                <a:solidFill>
-                  <a:srgbClr val="080808"/>
-                </a:solidFill>
-                <a:latin typeface="JetBrains Mono"/>
-                <a:ea typeface="JetBrains Mono"/>
-              </a:rPr>
-              <a:t>&gt;spring-cloud-starter-netflix-zuul&lt;/</a:t>
-            </a:r>
-            <a:r>
-              <a:rPr b="0" lang="en-US" sz="1000" spc="-1" strike="noStrike">
-                <a:solidFill>
-                  <a:srgbClr val="0033b3"/>
-                </a:solidFill>
-                <a:latin typeface="JetBrains Mono"/>
-                <a:ea typeface="JetBrains Mono"/>
-              </a:rPr>
-              <a:t>artifactId</a:t>
-            </a:r>
-            <a:r>
-              <a:rPr b="0" lang="en-US" sz="1000" spc="-1" strike="noStrike">
-                <a:solidFill>
-                  <a:srgbClr val="080808"/>
-                </a:solidFill>
-                <a:latin typeface="JetBrains Mono"/>
-                <a:ea typeface="JetBrains Mono"/>
-              </a:rPr>
-              <a:t>&gt;</a:t>
-            </a:r>
-            <a:br/>
-            <a:r>
-              <a:rPr b="0" lang="en-US" sz="1000" spc="-1" strike="noStrike">
-                <a:solidFill>
-                  <a:srgbClr val="080808"/>
-                </a:solidFill>
-                <a:latin typeface="JetBrains Mono"/>
-                <a:ea typeface="JetBrains Mono"/>
-              </a:rPr>
-              <a:t>&lt;/</a:t>
-            </a:r>
-            <a:r>
-              <a:rPr b="0" lang="en-US" sz="1000" spc="-1" strike="noStrike">
-                <a:solidFill>
-                  <a:srgbClr val="0033b3"/>
-                </a:solidFill>
-                <a:latin typeface="JetBrains Mono"/>
-                <a:ea typeface="JetBrains Mono"/>
-              </a:rPr>
-              <a:t>dependency</a:t>
-            </a:r>
-            <a:r>
-              <a:rPr b="0" lang="en-US" sz="1000" spc="-1" strike="noStrike">
-                <a:solidFill>
-                  <a:srgbClr val="080808"/>
-                </a:solidFill>
-                <a:latin typeface="JetBrains Mono"/>
-                <a:ea typeface="JetBrains Mono"/>
-              </a:rPr>
-              <a:t>&gt;</a:t>
-            </a:r>
-            <a:endParaRPr b="0" lang="en-US" sz="1000" spc="-1" strike="noStrike">
-              <a:latin typeface="Arial"/>
-            </a:endParaRPr>
-          </a:p>
-          <a:p>
-            <a:pPr>
-              <a:lnSpc>
-                <a:spcPct val="100000"/>
-              </a:lnSpc>
-            </a:pPr>
-            <a:endParaRPr b="0" lang="en-US" sz="1000" spc="-1" strike="noStrike">
-              <a:latin typeface="Arial"/>
-            </a:endParaRPr>
-          </a:p>
-          <a:p>
-            <a:pPr>
-              <a:lnSpc>
-                <a:spcPct val="100000"/>
-              </a:lnSpc>
-            </a:pPr>
-            <a:endParaRPr b="0" lang="en-US" sz="1000" spc="-1" strike="noStrike">
-              <a:latin typeface="Arial"/>
-            </a:endParaRPr>
-          </a:p>
-          <a:p>
-            <a:pPr>
-              <a:lnSpc>
-                <a:spcPct val="100000"/>
-              </a:lnSpc>
-            </a:pPr>
-            <a:r>
-              <a:rPr b="0" lang="sv-SE" sz="1000" spc="-1" strike="noStrike">
-                <a:solidFill>
-                  <a:srgbClr val="080808"/>
-                </a:solidFill>
-                <a:latin typeface="JetBrains Mono"/>
-                <a:ea typeface="JetBrains Mono"/>
-              </a:rPr>
-              <a:t>@SpringBootApplication</a:t>
-            </a:r>
-            <a:br/>
-            <a:r>
-              <a:rPr b="0" lang="sv-SE" sz="1000" spc="-1" strike="noStrike">
-                <a:solidFill>
-                  <a:srgbClr val="080808"/>
-                </a:solidFill>
-                <a:latin typeface="JetBrains Mono"/>
-                <a:ea typeface="JetBrains Mono"/>
-              </a:rPr>
-              <a:t>@EnableZuulProxy</a:t>
-            </a:r>
-            <a:br/>
-            <a:r>
-              <a:rPr b="0" lang="sv-SE" sz="1000" spc="-1" strike="noStrike">
-                <a:solidFill>
-                  <a:srgbClr val="0033b3"/>
-                </a:solidFill>
-                <a:latin typeface="JetBrains Mono"/>
-                <a:ea typeface="JetBrains Mono"/>
-              </a:rPr>
-              <a:t>public class </a:t>
-            </a:r>
-            <a:r>
-              <a:rPr b="0" lang="sv-SE" sz="1000" spc="-1" strike="noStrike">
-                <a:solidFill>
-                  <a:srgbClr val="080808"/>
-                </a:solidFill>
-                <a:latin typeface="JetBrains Mono"/>
-                <a:ea typeface="JetBrains Mono"/>
-              </a:rPr>
-              <a:t>ZuulApplication {</a:t>
-            </a:r>
-            <a:br/>
-            <a:br/>
-            <a:r>
-              <a:rPr b="0" lang="sv-SE" sz="1000" spc="-1" strike="noStrike">
-                <a:solidFill>
-                  <a:srgbClr val="080808"/>
-                </a:solidFill>
-                <a:latin typeface="JetBrains Mono"/>
-                <a:ea typeface="JetBrains Mono"/>
-              </a:rPr>
-              <a:t>    </a:t>
-            </a:r>
-            <a:r>
-              <a:rPr b="0" lang="sv-SE" sz="1000" spc="-1" strike="noStrike">
-                <a:solidFill>
-                  <a:srgbClr val="0033b3"/>
-                </a:solidFill>
-                <a:latin typeface="JetBrains Mono"/>
-                <a:ea typeface="JetBrains Mono"/>
-              </a:rPr>
-              <a:t>public static void </a:t>
-            </a:r>
-            <a:r>
-              <a:rPr b="0" lang="sv-SE" sz="1000" spc="-1" strike="noStrike">
-                <a:solidFill>
-                  <a:srgbClr val="080808"/>
-                </a:solidFill>
-                <a:latin typeface="JetBrains Mono"/>
-                <a:ea typeface="JetBrains Mono"/>
-              </a:rPr>
-              <a:t>main(String[] args) {</a:t>
-            </a:r>
-            <a:br/>
-            <a:r>
-              <a:rPr b="0" lang="sv-SE" sz="1000" spc="-1" strike="noStrike">
-                <a:solidFill>
-                  <a:srgbClr val="080808"/>
-                </a:solidFill>
-                <a:latin typeface="JetBrains Mono"/>
-                <a:ea typeface="JetBrains Mono"/>
-              </a:rPr>
-              <a:t>        SpringApplication.run(ZuulApplication.</a:t>
-            </a:r>
-            <a:r>
-              <a:rPr b="0" lang="sv-SE" sz="1000" spc="-1" strike="noStrike">
-                <a:solidFill>
-                  <a:srgbClr val="0033b3"/>
-                </a:solidFill>
-                <a:latin typeface="JetBrains Mono"/>
-                <a:ea typeface="JetBrains Mono"/>
-              </a:rPr>
-              <a:t>class</a:t>
-            </a:r>
-            <a:r>
-              <a:rPr b="0" lang="sv-SE" sz="1000" spc="-1" strike="noStrike">
-                <a:solidFill>
-                  <a:srgbClr val="080808"/>
-                </a:solidFill>
-                <a:latin typeface="JetBrains Mono"/>
-                <a:ea typeface="JetBrains Mono"/>
-              </a:rPr>
-              <a:t>, args);</a:t>
-            </a:r>
-            <a:br/>
-            <a:r>
-              <a:rPr b="0" lang="sv-SE" sz="1000" spc="-1" strike="noStrike">
-                <a:solidFill>
-                  <a:srgbClr val="080808"/>
-                </a:solidFill>
-                <a:latin typeface="JetBrains Mono"/>
-                <a:ea typeface="JetBrains Mono"/>
-              </a:rPr>
-              <a:t>    }</a:t>
-            </a:r>
-            <a:br/>
-            <a:r>
-              <a:rPr b="0" lang="sv-SE" sz="1000" spc="-1" strike="noStrike">
-                <a:solidFill>
-                  <a:srgbClr val="080808"/>
-                </a:solidFill>
-                <a:latin typeface="JetBrains Mono"/>
-                <a:ea typeface="JetBrains Mono"/>
-              </a:rPr>
-              <a:t>}</a:t>
-            </a:r>
-            <a:br/>
-            <a:endParaRPr b="0" lang="en-US" sz="1000" spc="-1" strike="noStrike">
-              <a:latin typeface="Arial"/>
-            </a:endParaRPr>
-          </a:p>
-          <a:p>
-            <a:pPr>
-              <a:lnSpc>
-                <a:spcPct val="100000"/>
-              </a:lnSpc>
-            </a:pPr>
-            <a:endParaRPr b="0" lang="en-US" sz="1000" spc="-1" strike="noStrike">
-              <a:latin typeface="Arial"/>
-            </a:endParaRPr>
-          </a:p>
-          <a:p>
-            <a:pPr>
-              <a:lnSpc>
-                <a:spcPct val="100000"/>
-              </a:lnSpc>
-            </a:pPr>
-            <a:r>
-              <a:rPr b="0" lang="en-US" sz="1000" spc="-1" strike="noStrike">
-                <a:solidFill>
-                  <a:srgbClr val="0033b3"/>
-                </a:solidFill>
-                <a:latin typeface="JetBrains Mono"/>
-                <a:ea typeface="JetBrains Mono"/>
-              </a:rPr>
-              <a:t>zuul</a:t>
-            </a:r>
-            <a:r>
-              <a:rPr b="0" lang="en-US" sz="1000" spc="-1" strike="noStrike">
-                <a:solidFill>
-                  <a:srgbClr val="080808"/>
-                </a:solidFill>
-                <a:latin typeface="JetBrains Mono"/>
-                <a:ea typeface="JetBrains Mono"/>
-              </a:rPr>
-              <a:t>:</a:t>
-            </a:r>
-            <a:br/>
-            <a:r>
-              <a:rPr b="0" lang="en-US" sz="1000" spc="-1" strike="noStrike">
-                <a:solidFill>
-                  <a:srgbClr val="080808"/>
-                </a:solidFill>
-                <a:latin typeface="JetBrains Mono"/>
-                <a:ea typeface="JetBrains Mono"/>
-              </a:rPr>
-              <a:t>  </a:t>
-            </a:r>
-            <a:r>
-              <a:rPr b="0" lang="en-US" sz="1000" spc="-1" strike="noStrike">
-                <a:solidFill>
-                  <a:srgbClr val="0033b3"/>
-                </a:solidFill>
-                <a:latin typeface="JetBrains Mono"/>
-                <a:ea typeface="JetBrains Mono"/>
-              </a:rPr>
-              <a:t>host</a:t>
-            </a:r>
-            <a:r>
-              <a:rPr b="0" lang="en-US" sz="1000" spc="-1" strike="noStrike">
-                <a:solidFill>
-                  <a:srgbClr val="080808"/>
-                </a:solidFill>
-                <a:latin typeface="JetBrains Mono"/>
-                <a:ea typeface="JetBrains Mono"/>
-              </a:rPr>
-              <a:t>:</a:t>
-            </a:r>
-            <a:br/>
-            <a:r>
-              <a:rPr b="0" lang="en-US" sz="1000" spc="-1" strike="noStrike">
-                <a:solidFill>
-                  <a:srgbClr val="080808"/>
-                </a:solidFill>
-                <a:latin typeface="JetBrains Mono"/>
-                <a:ea typeface="JetBrains Mono"/>
-              </a:rPr>
-              <a:t>    </a:t>
-            </a:r>
-            <a:r>
-              <a:rPr b="0" lang="en-US" sz="1000" spc="-1" strike="noStrike">
-                <a:solidFill>
-                  <a:srgbClr val="0033b3"/>
-                </a:solidFill>
-                <a:latin typeface="JetBrains Mono"/>
-                <a:ea typeface="JetBrains Mono"/>
-              </a:rPr>
-              <a:t>connect-timeout-millis</a:t>
-            </a:r>
-            <a:r>
-              <a:rPr b="0" lang="en-US" sz="1000" spc="-1" strike="noStrike">
-                <a:solidFill>
-                  <a:srgbClr val="080808"/>
-                </a:solidFill>
-                <a:latin typeface="JetBrains Mono"/>
-                <a:ea typeface="JetBrains Mono"/>
-              </a:rPr>
-              <a:t>: 10000</a:t>
-            </a:r>
-            <a:br/>
-            <a:r>
-              <a:rPr b="0" lang="en-US" sz="1000" spc="-1" strike="noStrike">
-                <a:solidFill>
-                  <a:srgbClr val="080808"/>
-                </a:solidFill>
-                <a:latin typeface="JetBrains Mono"/>
-                <a:ea typeface="JetBrains Mono"/>
-              </a:rPr>
-              <a:t>    </a:t>
-            </a:r>
-            <a:r>
-              <a:rPr b="0" lang="en-US" sz="1000" spc="-1" strike="noStrike">
-                <a:solidFill>
-                  <a:srgbClr val="0033b3"/>
-                </a:solidFill>
-                <a:latin typeface="JetBrains Mono"/>
-                <a:ea typeface="JetBrains Mono"/>
-              </a:rPr>
-              <a:t>socket-timeout-millis</a:t>
-            </a:r>
-            <a:r>
-              <a:rPr b="0" lang="en-US" sz="1000" spc="-1" strike="noStrike">
-                <a:solidFill>
-                  <a:srgbClr val="080808"/>
-                </a:solidFill>
-                <a:latin typeface="JetBrains Mono"/>
-                <a:ea typeface="JetBrains Mono"/>
-              </a:rPr>
-              <a:t>: 60000</a:t>
-            </a:r>
-            <a:br/>
-            <a:br/>
-            <a:r>
-              <a:rPr b="0" lang="en-US" sz="1000" spc="-1" strike="noStrike">
-                <a:solidFill>
-                  <a:srgbClr val="0033b3"/>
-                </a:solidFill>
-                <a:latin typeface="JetBrains Mono"/>
-                <a:ea typeface="JetBrains Mono"/>
-              </a:rPr>
-              <a:t>eureka</a:t>
-            </a:r>
-            <a:r>
-              <a:rPr b="0" lang="en-US" sz="1000" spc="-1" strike="noStrike">
-                <a:solidFill>
-                  <a:srgbClr val="080808"/>
-                </a:solidFill>
-                <a:latin typeface="JetBrains Mono"/>
-                <a:ea typeface="JetBrains Mono"/>
-              </a:rPr>
-              <a:t>:</a:t>
-            </a:r>
-            <a:br/>
-            <a:r>
-              <a:rPr b="0" lang="en-US" sz="1000" spc="-1" strike="noStrike">
-                <a:solidFill>
-                  <a:srgbClr val="080808"/>
-                </a:solidFill>
-                <a:latin typeface="JetBrains Mono"/>
-                <a:ea typeface="JetBrains Mono"/>
-              </a:rPr>
-              <a:t>  </a:t>
-            </a:r>
-            <a:r>
-              <a:rPr b="0" lang="en-US" sz="1000" spc="-1" strike="noStrike">
-                <a:solidFill>
-                  <a:srgbClr val="0033b3"/>
-                </a:solidFill>
-                <a:latin typeface="JetBrains Mono"/>
-                <a:ea typeface="JetBrains Mono"/>
-              </a:rPr>
-              <a:t>client</a:t>
-            </a:r>
-            <a:r>
-              <a:rPr b="0" lang="en-US" sz="1000" spc="-1" strike="noStrike">
-                <a:solidFill>
-                  <a:srgbClr val="080808"/>
-                </a:solidFill>
-                <a:latin typeface="JetBrains Mono"/>
-                <a:ea typeface="JetBrains Mono"/>
-              </a:rPr>
-              <a:t>:</a:t>
-            </a:r>
-            <a:br/>
-            <a:r>
-              <a:rPr b="0" lang="en-US" sz="1000" spc="-1" strike="noStrike">
-                <a:solidFill>
-                  <a:srgbClr val="080808"/>
-                </a:solidFill>
-                <a:latin typeface="JetBrains Mono"/>
-                <a:ea typeface="JetBrains Mono"/>
-              </a:rPr>
-              <a:t>    </a:t>
-            </a:r>
-            <a:r>
-              <a:rPr b="0" lang="en-US" sz="1000" spc="-1" strike="noStrike">
-                <a:solidFill>
-                  <a:srgbClr val="0033b3"/>
-                </a:solidFill>
-                <a:latin typeface="JetBrains Mono"/>
-                <a:ea typeface="JetBrains Mono"/>
-              </a:rPr>
-              <a:t>serviceUrl</a:t>
-            </a:r>
-            <a:r>
-              <a:rPr b="0" lang="en-US" sz="1000" spc="-1" strike="noStrike">
-                <a:solidFill>
-                  <a:srgbClr val="080808"/>
-                </a:solidFill>
-                <a:latin typeface="JetBrains Mono"/>
-                <a:ea typeface="JetBrains Mono"/>
-              </a:rPr>
-              <a:t>:</a:t>
-            </a:r>
-            <a:br/>
-            <a:r>
-              <a:rPr b="0" lang="en-US" sz="1000" spc="-1" strike="noStrike">
-                <a:solidFill>
-                  <a:srgbClr val="080808"/>
-                </a:solidFill>
-                <a:latin typeface="JetBrains Mono"/>
-                <a:ea typeface="JetBrains Mono"/>
-              </a:rPr>
-              <a:t>      </a:t>
-            </a:r>
-            <a:r>
-              <a:rPr b="0" lang="en-US" sz="1000" spc="-1" strike="noStrike">
-                <a:solidFill>
-                  <a:srgbClr val="0033b3"/>
-                </a:solidFill>
-                <a:latin typeface="JetBrains Mono"/>
-                <a:ea typeface="JetBrains Mono"/>
-              </a:rPr>
-              <a:t>defaultZone</a:t>
-            </a:r>
-            <a:r>
-              <a:rPr b="0" lang="en-US" sz="1000" spc="-1" strike="noStrike">
-                <a:solidFill>
-                  <a:srgbClr val="080808"/>
-                </a:solidFill>
-                <a:latin typeface="JetBrains Mono"/>
-                <a:ea typeface="JetBrains Mono"/>
-              </a:rPr>
-              <a:t>: http://localhost:8761/eureka/</a:t>
-            </a:r>
-            <a:br/>
-            <a:br/>
-            <a:r>
-              <a:rPr b="0" lang="en-US" sz="1000" spc="-1" strike="noStrike">
-                <a:solidFill>
-                  <a:srgbClr val="0033b3"/>
-                </a:solidFill>
-                <a:latin typeface="JetBrains Mono"/>
-                <a:ea typeface="JetBrains Mono"/>
-              </a:rPr>
-              <a:t>server</a:t>
-            </a:r>
-            <a:r>
-              <a:rPr b="0" lang="en-US" sz="1000" spc="-1" strike="noStrike">
-                <a:solidFill>
-                  <a:srgbClr val="080808"/>
-                </a:solidFill>
-                <a:latin typeface="JetBrains Mono"/>
-                <a:ea typeface="JetBrains Mono"/>
-              </a:rPr>
-              <a:t>:</a:t>
-            </a:r>
-            <a:br/>
-            <a:r>
-              <a:rPr b="0" lang="en-US" sz="1000" spc="-1" strike="noStrike">
-                <a:solidFill>
-                  <a:srgbClr val="080808"/>
-                </a:solidFill>
-                <a:latin typeface="JetBrains Mono"/>
-                <a:ea typeface="JetBrains Mono"/>
-              </a:rPr>
-              <a:t>  </a:t>
-            </a:r>
-            <a:r>
-              <a:rPr b="0" lang="en-US" sz="1000" spc="-1" strike="noStrike">
-                <a:solidFill>
-                  <a:srgbClr val="0033b3"/>
-                </a:solidFill>
-                <a:latin typeface="JetBrains Mono"/>
-                <a:ea typeface="JetBrains Mono"/>
-              </a:rPr>
-              <a:t>port</a:t>
-            </a:r>
-            <a:r>
-              <a:rPr b="0" lang="en-US" sz="1000" spc="-1" strike="noStrike">
-                <a:solidFill>
-                  <a:srgbClr val="080808"/>
-                </a:solidFill>
-                <a:latin typeface="JetBrains Mono"/>
-                <a:ea typeface="JetBrains Mono"/>
-              </a:rPr>
-              <a:t>: 8050</a:t>
-            </a:r>
-            <a:br/>
-            <a:endParaRPr b="0" lang="en-US" sz="1000" spc="-1" strike="noStrike">
-              <a:latin typeface="Arial"/>
-            </a:endParaRPr>
-          </a:p>
-        </p:txBody>
-      </p:sp>
-    </p:spTree>
-  </p:cSld>
-  <mc:AlternateContent>
-    <mc:Choice Requires="p14">
-      <p:transition spd="slow" p14:dur="2000"/>
-    </mc:Choice>
-    <mc:Fallback>
-      <p:transition spd="slow"/>
-    </mc:Fallback>
-  </mc:AlternateContent>
-</p:sld>
-</file>
-
-<file path=ppt/slides/slide5.xml><?xml version="1.0" encoding="utf-8"?>
-<p:sld xmlns:a="http://schemas.openxmlformats.org/drawingml/2006/main" xmlns:p="http://schemas.openxmlformats.org/presentationml/2006/main" xmlns:r="http://schemas.openxmlformats.org/officeDocument/2006/relationships" xmlns:p14="http://schemas.microsoft.com/office/powerpoint/2010/main" xmlns:p15="http://schemas.microsoft.com/office/powerpoint/2012/main" xmlns:mc="http://schemas.openxmlformats.org/markup-compatibility/2006">
-  <p:cSld>
-    <p:spTree>
-      <p:nvGrpSpPr>
-        <p:cNvPr id="1" name=""/>
-        <p:cNvGrpSpPr/>
-        <p:nvPr/>
-      </p:nvGrpSpPr>
-      <p:grpSpPr>
-        <a:xfrm>
-          <a:off x="0" y="0"/>
-          <a:ext cx="0" cy="0"/>
-          <a:chOff x="0" y="0"/>
-          <a:chExt cx="0" cy="0"/>
-        </a:xfrm>
-      </p:grpSpPr>
+      </p:pic>
       <p:pic>
         <p:nvPicPr>
           <p:cNvPr id="82" name="" descr=""/>
@@ -4309,13 +4189,13 @@
           <p:nvPr/>
         </p:nvPicPr>
         <p:blipFill>
-          <a:blip r:embed="rId1"/>
+          <a:blip r:embed="rId3"/>
           <a:stretch/>
         </p:blipFill>
         <p:spPr>
           <a:xfrm>
-            <a:off x="28080" y="66600"/>
-            <a:ext cx="12191400" cy="6758280"/>
+            <a:off x="709560" y="2834640"/>
+            <a:ext cx="6879240" cy="1929240"/>
           </a:xfrm>
           <a:prstGeom prst="rect">
             <a:avLst/>
@@ -4325,186 +4205,6 @@
           </a:ln>
         </p:spPr>
       </p:pic>
-    </p:spTree>
-  </p:cSld>
-  <mc:AlternateContent>
-    <mc:Choice Requires="p14">
-      <p:transition spd="slow" p14:dur="2000"/>
-    </mc:Choice>
-    <mc:Fallback>
-      <p:transition spd="slow"/>
-    </mc:Fallback>
-  </mc:AlternateContent>
-</p:sld>
-</file>
-
-<file path=ppt/slides/slide6.xml><?xml version="1.0" encoding="utf-8"?>
-<p:sld xmlns:a="http://schemas.openxmlformats.org/drawingml/2006/main" xmlns:p="http://schemas.openxmlformats.org/presentationml/2006/main" xmlns:r="http://schemas.openxmlformats.org/officeDocument/2006/relationships" xmlns:p14="http://schemas.microsoft.com/office/powerpoint/2010/main" xmlns:p15="http://schemas.microsoft.com/office/powerpoint/2012/main" xmlns:mc="http://schemas.openxmlformats.org/markup-compatibility/2006">
-  <p:cSld>
-    <p:spTree>
-      <p:nvGrpSpPr>
-        <p:cNvPr id="1" name=""/>
-        <p:cNvGrpSpPr/>
-        <p:nvPr/>
-      </p:nvGrpSpPr>
-      <p:grpSpPr>
-        <a:xfrm>
-          <a:off x="0" y="0"/>
-          <a:ext cx="0" cy="0"/>
-          <a:chOff x="0" y="0"/>
-          <a:chExt cx="0" cy="0"/>
-        </a:xfrm>
-      </p:grpSpPr>
-      <p:pic>
-        <p:nvPicPr>
-          <p:cNvPr id="83" name="" descr=""/>
-          <p:cNvPicPr/>
-          <p:nvPr/>
-        </p:nvPicPr>
-        <p:blipFill>
-          <a:blip r:embed="rId1"/>
-          <a:stretch/>
-        </p:blipFill>
-        <p:spPr>
-          <a:xfrm>
-            <a:off x="640080" y="461880"/>
-            <a:ext cx="5266440" cy="1142280"/>
-          </a:xfrm>
-          <a:prstGeom prst="rect">
-            <a:avLst/>
-          </a:prstGeom>
-          <a:ln>
-            <a:noFill/>
-          </a:ln>
-        </p:spPr>
-      </p:pic>
-      <p:pic>
-        <p:nvPicPr>
-          <p:cNvPr id="84" name="" descr=""/>
-          <p:cNvPicPr/>
-          <p:nvPr/>
-        </p:nvPicPr>
-        <p:blipFill>
-          <a:blip r:embed="rId2"/>
-          <a:stretch/>
-        </p:blipFill>
-        <p:spPr>
-          <a:xfrm>
-            <a:off x="718560" y="1737360"/>
-            <a:ext cx="6047640" cy="1504080"/>
-          </a:xfrm>
-          <a:prstGeom prst="rect">
-            <a:avLst/>
-          </a:prstGeom>
-          <a:ln>
-            <a:noFill/>
-          </a:ln>
-        </p:spPr>
-      </p:pic>
-      <p:pic>
-        <p:nvPicPr>
-          <p:cNvPr id="85" name="" descr=""/>
-          <p:cNvPicPr/>
-          <p:nvPr/>
-        </p:nvPicPr>
-        <p:blipFill>
-          <a:blip r:embed="rId3"/>
-          <a:stretch/>
-        </p:blipFill>
-        <p:spPr>
-          <a:xfrm>
-            <a:off x="709560" y="2834640"/>
-            <a:ext cx="6879600" cy="1929600"/>
-          </a:xfrm>
-          <a:prstGeom prst="rect">
-            <a:avLst/>
-          </a:prstGeom>
-          <a:ln>
-            <a:noFill/>
-          </a:ln>
-        </p:spPr>
-      </p:pic>
-    </p:spTree>
-  </p:cSld>
-  <mc:AlternateContent>
-    <mc:Choice Requires="p14">
-      <p:transition spd="slow" p14:dur="2000"/>
-    </mc:Choice>
-    <mc:Fallback>
-      <p:transition spd="slow"/>
-    </mc:Fallback>
-  </mc:AlternateContent>
-</p:sld>
-</file>
-
-<file path=ppt/slides/slide7.xml><?xml version="1.0" encoding="utf-8"?>
-<p:sld xmlns:a="http://schemas.openxmlformats.org/drawingml/2006/main" xmlns:p="http://schemas.openxmlformats.org/presentationml/2006/main" xmlns:r="http://schemas.openxmlformats.org/officeDocument/2006/relationships" xmlns:p14="http://schemas.microsoft.com/office/powerpoint/2010/main" xmlns:p15="http://schemas.microsoft.com/office/powerpoint/2012/main" xmlns:mc="http://schemas.openxmlformats.org/markup-compatibility/2006">
-  <p:cSld>
-    <p:spTree>
-      <p:nvGrpSpPr>
-        <p:cNvPr id="1" name=""/>
-        <p:cNvGrpSpPr/>
-        <p:nvPr/>
-      </p:nvGrpSpPr>
-      <p:grpSpPr>
-        <a:xfrm>
-          <a:off x="0" y="0"/>
-          <a:ext cx="0" cy="0"/>
-          <a:chOff x="0" y="0"/>
-          <a:chExt cx="0" cy="0"/>
-        </a:xfrm>
-      </p:grpSpPr>
-      <p:sp>
-        <p:nvSpPr>
-          <p:cNvPr id="86" name="CustomShape 1"/>
-          <p:cNvSpPr/>
-          <p:nvPr/>
-        </p:nvSpPr>
-        <p:spPr>
-          <a:xfrm>
-            <a:off x="1523880" y="1122480"/>
-            <a:ext cx="9142920" cy="2386440"/>
-          </a:xfrm>
-          <a:prstGeom prst="rect">
-            <a:avLst/>
-          </a:prstGeom>
-          <a:noFill/>
-          <a:ln>
-            <a:noFill/>
-          </a:ln>
-        </p:spPr>
-        <p:style>
-          <a:lnRef idx="0"/>
-          <a:fillRef idx="0"/>
-          <a:effectRef idx="0"/>
-          <a:fontRef idx="minor"/>
-        </p:style>
-        <p:txBody>
-          <a:bodyPr lIns="90000" rIns="90000" tIns="45000" bIns="45000" anchor="b">
-            <a:noAutofit/>
-          </a:bodyPr>
-          <a:p>
-            <a:pPr algn="ctr">
-              <a:lnSpc>
-                <a:spcPct val="90000"/>
-              </a:lnSpc>
-            </a:pPr>
-            <a:r>
-              <a:rPr b="0" i="1" lang="sv-SE" sz="6000" spc="-1" strike="noStrike">
-                <a:solidFill>
-                  <a:srgbClr val="000000"/>
-                </a:solidFill>
-                <a:latin typeface="Calibri Light"/>
-                <a:ea typeface="DejaVu Sans"/>
-              </a:rPr>
-              <a:t>Gateway</a:t>
-            </a:r>
-            <a:endParaRPr b="0" lang="en-US" sz="6000" spc="-1" strike="noStrike">
-              <a:latin typeface="Arial"/>
-            </a:endParaRPr>
-          </a:p>
-        </p:txBody>
-      </p:sp>
     </p:spTree>
   </p:cSld>
   <mc:AlternateContent>
